--- a/Courses/Computer-Modeling-and-IT/Computer-Modeling-and-IT-5-Class/04-File-System/04-File-System.pptx
+++ b/Courses/Computer-Modeling-and-IT/Computer-Modeling-and-IT-5-Class/04-File-System/04-File-System.pptx
@@ -307,7 +307,7 @@
           <a:p>
             <a:fld id="{4E087215-0C8F-4762-A664-737A353EC9A4}" type="datetimeFigureOut">
               <a:rPr lang="bg-BG" smtClean="0"/>
-              <a:t>19.2.2024 г.</a:t>
+              <a:t>23.2.2024 г.</a:t>
             </a:fld>
             <a:endParaRPr lang="bg-BG"/>
           </a:p>
@@ -503,7 +503,7 @@
           <a:p>
             <a:fld id="{72D84649-876A-46C9-8472-14CB09C070D8}" type="datetimeFigureOut">
               <a:rPr lang="en-US" smtClean="0"/>
-              <a:t>2/19/2024</a:t>
+              <a:t>2/23/2024</a:t>
             </a:fld>
             <a:endParaRPr lang="en-US"/>
           </a:p>
@@ -7804,6 +7804,30 @@
           </a:p>
         </p:txBody>
       </p:sp>
+      <p:pic>
+        <p:nvPicPr>
+          <p:cNvPr id="5" name="Picture 4"/>
+          <p:cNvPicPr>
+            <a:picLocks noChangeAspect="1"/>
+          </p:cNvPicPr>
+          <p:nvPr/>
+        </p:nvPicPr>
+        <p:blipFill>
+          <a:blip r:embed="rId5"/>
+          <a:stretch>
+            <a:fillRect/>
+          </a:stretch>
+        </p:blipFill>
+        <p:spPr>
+          <a:xfrm>
+            <a:off x="534045" y="2754000"/>
+            <a:ext cx="2680544" cy="1201623"/>
+          </a:xfrm>
+          <a:prstGeom prst="rect">
+            <a:avLst/>
+          </a:prstGeom>
+        </p:spPr>
+      </p:pic>
     </p:spTree>
     <p:extLst>
       <p:ext uri="{BB962C8B-B14F-4D97-AF65-F5344CB8AC3E}">
@@ -18156,7 +18180,7 @@
                 <a:hlinkClick r:id="rId3">
                   <a:extLst>
                     <a:ext uri="{A12FA001-AC4F-418D-AE19-62706E023703}">
-                      <ahyp:hlinkClr xmlns:ahyp="http://schemas.microsoft.com/office/drawing/2018/hyperlinkcolor" xmlns="" val="tx"/>
+                      <ahyp:hlinkClr xmlns="" xmlns:ahyp="http://schemas.microsoft.com/office/drawing/2018/hyperlinkcolor" val="tx"/>
                     </a:ext>
                   </a:extLst>
                 </a:hlinkClick>

--- a/Courses/Computer-Modeling-and-IT/Computer-Modeling-and-IT-5-Class/04-File-System/04-File-System.pptx
+++ b/Courses/Computer-Modeling-and-IT/Computer-Modeling-and-IT-5-Class/04-File-System/04-File-System.pptx
@@ -307,7 +307,7 @@
           <a:p>
             <a:fld id="{4E087215-0C8F-4762-A664-737A353EC9A4}" type="datetimeFigureOut">
               <a:rPr lang="bg-BG" smtClean="0"/>
-              <a:t>23.2.2024 г.</a:t>
+              <a:t>27.02.24 г.</a:t>
             </a:fld>
             <a:endParaRPr lang="bg-BG"/>
           </a:p>
@@ -503,7 +503,7 @@
           <a:p>
             <a:fld id="{72D84649-876A-46C9-8472-14CB09C070D8}" type="datetimeFigureOut">
               <a:rPr lang="en-US" smtClean="0"/>
-              <a:t>2/23/2024</a:t>
+              <a:t>2/27/24</a:t>
             </a:fld>
             <a:endParaRPr lang="en-US"/>
           </a:p>
@@ -985,129 +985,23 @@
       </p:sp>
       <p:sp>
         <p:nvSpPr>
-          <p:cNvPr id="7" name="Slide Number Placeholder 5">
-            <a:extLst>
-              <a:ext uri="{FF2B5EF4-FFF2-40B4-BE49-F238E27FC236}">
-                <a16:creationId xmlns:a16="http://schemas.microsoft.com/office/drawing/2014/main" id="{5049B984-F964-47FF-8179-0A3007CE21CD}"/>
-              </a:ext>
-            </a:extLst>
-          </p:cNvPr>
-          <p:cNvSpPr txBox="1">
-            <a:spLocks/>
+          <p:cNvPr id="5" name="Slide Number Placeholder 4"/>
+          <p:cNvSpPr>
+            <a:spLocks noGrp="1"/>
           </p:cNvSpPr>
-          <p:nvPr/>
+          <p:nvPr>
+            <p:ph type="sldNum" sz="quarter" idx="11"/>
+          </p:nvPr>
         </p:nvSpPr>
-        <p:spPr>
-          <a:xfrm>
-            <a:off x="6488999" y="8847000"/>
-            <a:ext cx="367414" cy="297000"/>
-          </a:xfrm>
-          <a:prstGeom prst="rect">
-            <a:avLst/>
-          </a:prstGeom>
-        </p:spPr>
+        <p:spPr/>
         <p:txBody>
-          <a:bodyPr vert="horz" lIns="91440" tIns="45720" rIns="91440" bIns="45720" rtlCol="0" anchor="b"/>
-          <a:lstStyle>
-            <a:defPPr>
-              <a:defRPr lang="en-US"/>
-            </a:defPPr>
-            <a:lvl1pPr marL="0" algn="r" defTabSz="914400" rtl="0" eaLnBrk="1" latinLnBrk="0" hangingPunct="1">
-              <a:defRPr sz="1200" kern="1200">
-                <a:solidFill>
-                  <a:schemeClr val="tx1"/>
-                </a:solidFill>
-                <a:latin typeface="+mn-lt"/>
-                <a:ea typeface="+mn-ea"/>
-                <a:cs typeface="+mn-cs"/>
-              </a:defRPr>
-            </a:lvl1pPr>
-            <a:lvl2pPr marL="457200" algn="l" defTabSz="914400" rtl="0" eaLnBrk="1" latinLnBrk="0" hangingPunct="1">
-              <a:defRPr sz="1800" kern="1200">
-                <a:solidFill>
-                  <a:schemeClr val="tx1"/>
-                </a:solidFill>
-                <a:latin typeface="+mn-lt"/>
-                <a:ea typeface="+mn-ea"/>
-                <a:cs typeface="+mn-cs"/>
-              </a:defRPr>
-            </a:lvl2pPr>
-            <a:lvl3pPr marL="914400" algn="l" defTabSz="914400" rtl="0" eaLnBrk="1" latinLnBrk="0" hangingPunct="1">
-              <a:defRPr sz="1800" kern="1200">
-                <a:solidFill>
-                  <a:schemeClr val="tx1"/>
-                </a:solidFill>
-                <a:latin typeface="+mn-lt"/>
-                <a:ea typeface="+mn-ea"/>
-                <a:cs typeface="+mn-cs"/>
-              </a:defRPr>
-            </a:lvl3pPr>
-            <a:lvl4pPr marL="1371600" algn="l" defTabSz="914400" rtl="0" eaLnBrk="1" latinLnBrk="0" hangingPunct="1">
-              <a:defRPr sz="1800" kern="1200">
-                <a:solidFill>
-                  <a:schemeClr val="tx1"/>
-                </a:solidFill>
-                <a:latin typeface="+mn-lt"/>
-                <a:ea typeface="+mn-ea"/>
-                <a:cs typeface="+mn-cs"/>
-              </a:defRPr>
-            </a:lvl4pPr>
-            <a:lvl5pPr marL="1828800" algn="l" defTabSz="914400" rtl="0" eaLnBrk="1" latinLnBrk="0" hangingPunct="1">
-              <a:defRPr sz="1800" kern="1200">
-                <a:solidFill>
-                  <a:schemeClr val="tx1"/>
-                </a:solidFill>
-                <a:latin typeface="+mn-lt"/>
-                <a:ea typeface="+mn-ea"/>
-                <a:cs typeface="+mn-cs"/>
-              </a:defRPr>
-            </a:lvl5pPr>
-            <a:lvl6pPr marL="2286000" algn="l" defTabSz="914400" rtl="0" eaLnBrk="1" latinLnBrk="0" hangingPunct="1">
-              <a:defRPr sz="1800" kern="1200">
-                <a:solidFill>
-                  <a:schemeClr val="tx1"/>
-                </a:solidFill>
-                <a:latin typeface="+mn-lt"/>
-                <a:ea typeface="+mn-ea"/>
-                <a:cs typeface="+mn-cs"/>
-              </a:defRPr>
-            </a:lvl6pPr>
-            <a:lvl7pPr marL="2743200" algn="l" defTabSz="914400" rtl="0" eaLnBrk="1" latinLnBrk="0" hangingPunct="1">
-              <a:defRPr sz="1800" kern="1200">
-                <a:solidFill>
-                  <a:schemeClr val="tx1"/>
-                </a:solidFill>
-                <a:latin typeface="+mn-lt"/>
-                <a:ea typeface="+mn-ea"/>
-                <a:cs typeface="+mn-cs"/>
-              </a:defRPr>
-            </a:lvl7pPr>
-            <a:lvl8pPr marL="3200400" algn="l" defTabSz="914400" rtl="0" eaLnBrk="1" latinLnBrk="0" hangingPunct="1">
-              <a:defRPr sz="1800" kern="1200">
-                <a:solidFill>
-                  <a:schemeClr val="tx1"/>
-                </a:solidFill>
-                <a:latin typeface="+mn-lt"/>
-                <a:ea typeface="+mn-ea"/>
-                <a:cs typeface="+mn-cs"/>
-              </a:defRPr>
-            </a:lvl8pPr>
-            <a:lvl9pPr marL="3657600" algn="l" defTabSz="914400" rtl="0" eaLnBrk="1" latinLnBrk="0" hangingPunct="1">
-              <a:defRPr sz="1800" kern="1200">
-                <a:solidFill>
-                  <a:schemeClr val="tx1"/>
-                </a:solidFill>
-                <a:latin typeface="+mn-lt"/>
-                <a:ea typeface="+mn-ea"/>
-                <a:cs typeface="+mn-cs"/>
-              </a:defRPr>
-            </a:lvl9pPr>
-          </a:lstStyle>
+          <a:bodyPr/>
+          <a:lstStyle/>
           <a:p>
             <a:fld id="{3EBA5BD7-F043-4D1B-AA17-CD412FC534DE}" type="slidenum">
               <a:rPr lang="en-US" smtClean="0"/>
               <a:pPr/>
-              <a:t>28</a:t>
+              <a:t>27</a:t>
             </a:fld>
             <a:endParaRPr lang="en-US" dirty="0"/>
           </a:p>
@@ -1171,6 +1065,252 @@
     </p:spTree>
     <p:extLst>
       <p:ext uri="{BB962C8B-B14F-4D97-AF65-F5344CB8AC3E}">
+        <p14:creationId xmlns:p14="http://schemas.microsoft.com/office/powerpoint/2010/main" val="2505804726"/>
+      </p:ext>
+    </p:extLst>
+  </p:cSld>
+  <p:clrMapOvr>
+    <a:masterClrMapping/>
+  </p:clrMapOvr>
+</p:notes>
+</file>
+
+<file path=ppt/notesSlides/notesSlide11.xml><?xml version="1.0" encoding="utf-8"?>
+<p:notes xmlns:a="http://schemas.openxmlformats.org/drawingml/2006/main" xmlns:r="http://schemas.openxmlformats.org/officeDocument/2006/relationships" xmlns:p="http://schemas.openxmlformats.org/presentationml/2006/main">
+  <p:cSld>
+    <p:spTree>
+      <p:nvGrpSpPr>
+        <p:cNvPr id="1" name=""/>
+        <p:cNvGrpSpPr/>
+        <p:nvPr/>
+      </p:nvGrpSpPr>
+      <p:grpSpPr>
+        <a:xfrm>
+          <a:off x="0" y="0"/>
+          <a:ext cx="0" cy="0"/>
+          <a:chOff x="0" y="0"/>
+          <a:chExt cx="0" cy="0"/>
+        </a:xfrm>
+      </p:grpSpPr>
+      <p:sp>
+        <p:nvSpPr>
+          <p:cNvPr id="2" name="Slide Image Placeholder 1"/>
+          <p:cNvSpPr>
+            <a:spLocks noGrp="1" noRot="1" noChangeAspect="1"/>
+          </p:cNvSpPr>
+          <p:nvPr>
+            <p:ph type="sldImg"/>
+          </p:nvPr>
+        </p:nvSpPr>
+        <p:spPr/>
+      </p:sp>
+      <p:sp>
+        <p:nvSpPr>
+          <p:cNvPr id="3" name="Notes Placeholder 2"/>
+          <p:cNvSpPr>
+            <a:spLocks noGrp="1"/>
+          </p:cNvSpPr>
+          <p:nvPr>
+            <p:ph type="body" idx="1"/>
+          </p:nvPr>
+        </p:nvSpPr>
+        <p:spPr/>
+        <p:txBody>
+          <a:bodyPr/>
+          <a:lstStyle/>
+          <a:p>
+            <a:endParaRPr lang="en-US" dirty="0"/>
+          </a:p>
+        </p:txBody>
+      </p:sp>
+      <p:sp>
+        <p:nvSpPr>
+          <p:cNvPr id="7" name="Slide Number Placeholder 5">
+            <a:extLst>
+              <a:ext uri="{FF2B5EF4-FFF2-40B4-BE49-F238E27FC236}">
+                <a16:creationId xmlns:a16="http://schemas.microsoft.com/office/drawing/2014/main" id="{5049B984-F964-47FF-8179-0A3007CE21CD}"/>
+              </a:ext>
+            </a:extLst>
+          </p:cNvPr>
+          <p:cNvSpPr txBox="1">
+            <a:spLocks/>
+          </p:cNvSpPr>
+          <p:nvPr/>
+        </p:nvSpPr>
+        <p:spPr>
+          <a:xfrm>
+            <a:off x="6488999" y="8847000"/>
+            <a:ext cx="367414" cy="297000"/>
+          </a:xfrm>
+          <a:prstGeom prst="rect">
+            <a:avLst/>
+          </a:prstGeom>
+        </p:spPr>
+        <p:txBody>
+          <a:bodyPr vert="horz" lIns="91440" tIns="45720" rIns="91440" bIns="45720" rtlCol="0" anchor="b"/>
+          <a:lstStyle>
+            <a:defPPr>
+              <a:defRPr lang="en-US"/>
+            </a:defPPr>
+            <a:lvl1pPr marL="0" algn="r" defTabSz="914400" rtl="0" eaLnBrk="1" latinLnBrk="0" hangingPunct="1">
+              <a:defRPr sz="1200" kern="1200">
+                <a:solidFill>
+                  <a:schemeClr val="tx1"/>
+                </a:solidFill>
+                <a:latin typeface="+mn-lt"/>
+                <a:ea typeface="+mn-ea"/>
+                <a:cs typeface="+mn-cs"/>
+              </a:defRPr>
+            </a:lvl1pPr>
+            <a:lvl2pPr marL="457200" algn="l" defTabSz="914400" rtl="0" eaLnBrk="1" latinLnBrk="0" hangingPunct="1">
+              <a:defRPr sz="1800" kern="1200">
+                <a:solidFill>
+                  <a:schemeClr val="tx1"/>
+                </a:solidFill>
+                <a:latin typeface="+mn-lt"/>
+                <a:ea typeface="+mn-ea"/>
+                <a:cs typeface="+mn-cs"/>
+              </a:defRPr>
+            </a:lvl2pPr>
+            <a:lvl3pPr marL="914400" algn="l" defTabSz="914400" rtl="0" eaLnBrk="1" latinLnBrk="0" hangingPunct="1">
+              <a:defRPr sz="1800" kern="1200">
+                <a:solidFill>
+                  <a:schemeClr val="tx1"/>
+                </a:solidFill>
+                <a:latin typeface="+mn-lt"/>
+                <a:ea typeface="+mn-ea"/>
+                <a:cs typeface="+mn-cs"/>
+              </a:defRPr>
+            </a:lvl3pPr>
+            <a:lvl4pPr marL="1371600" algn="l" defTabSz="914400" rtl="0" eaLnBrk="1" latinLnBrk="0" hangingPunct="1">
+              <a:defRPr sz="1800" kern="1200">
+                <a:solidFill>
+                  <a:schemeClr val="tx1"/>
+                </a:solidFill>
+                <a:latin typeface="+mn-lt"/>
+                <a:ea typeface="+mn-ea"/>
+                <a:cs typeface="+mn-cs"/>
+              </a:defRPr>
+            </a:lvl4pPr>
+            <a:lvl5pPr marL="1828800" algn="l" defTabSz="914400" rtl="0" eaLnBrk="1" latinLnBrk="0" hangingPunct="1">
+              <a:defRPr sz="1800" kern="1200">
+                <a:solidFill>
+                  <a:schemeClr val="tx1"/>
+                </a:solidFill>
+                <a:latin typeface="+mn-lt"/>
+                <a:ea typeface="+mn-ea"/>
+                <a:cs typeface="+mn-cs"/>
+              </a:defRPr>
+            </a:lvl5pPr>
+            <a:lvl6pPr marL="2286000" algn="l" defTabSz="914400" rtl="0" eaLnBrk="1" latinLnBrk="0" hangingPunct="1">
+              <a:defRPr sz="1800" kern="1200">
+                <a:solidFill>
+                  <a:schemeClr val="tx1"/>
+                </a:solidFill>
+                <a:latin typeface="+mn-lt"/>
+                <a:ea typeface="+mn-ea"/>
+                <a:cs typeface="+mn-cs"/>
+              </a:defRPr>
+            </a:lvl6pPr>
+            <a:lvl7pPr marL="2743200" algn="l" defTabSz="914400" rtl="0" eaLnBrk="1" latinLnBrk="0" hangingPunct="1">
+              <a:defRPr sz="1800" kern="1200">
+                <a:solidFill>
+                  <a:schemeClr val="tx1"/>
+                </a:solidFill>
+                <a:latin typeface="+mn-lt"/>
+                <a:ea typeface="+mn-ea"/>
+                <a:cs typeface="+mn-cs"/>
+              </a:defRPr>
+            </a:lvl7pPr>
+            <a:lvl8pPr marL="3200400" algn="l" defTabSz="914400" rtl="0" eaLnBrk="1" latinLnBrk="0" hangingPunct="1">
+              <a:defRPr sz="1800" kern="1200">
+                <a:solidFill>
+                  <a:schemeClr val="tx1"/>
+                </a:solidFill>
+                <a:latin typeface="+mn-lt"/>
+                <a:ea typeface="+mn-ea"/>
+                <a:cs typeface="+mn-cs"/>
+              </a:defRPr>
+            </a:lvl8pPr>
+            <a:lvl9pPr marL="3657600" algn="l" defTabSz="914400" rtl="0" eaLnBrk="1" latinLnBrk="0" hangingPunct="1">
+              <a:defRPr sz="1800" kern="1200">
+                <a:solidFill>
+                  <a:schemeClr val="tx1"/>
+                </a:solidFill>
+                <a:latin typeface="+mn-lt"/>
+                <a:ea typeface="+mn-ea"/>
+                <a:cs typeface="+mn-cs"/>
+              </a:defRPr>
+            </a:lvl9pPr>
+          </a:lstStyle>
+          <a:p>
+            <a:fld id="{3EBA5BD7-F043-4D1B-AA17-CD412FC534DE}" type="slidenum">
+              <a:rPr lang="en-US" smtClean="0"/>
+              <a:pPr/>
+              <a:t>28</a:t>
+            </a:fld>
+            <a:endParaRPr lang="en-US" dirty="0"/>
+          </a:p>
+        </p:txBody>
+      </p:sp>
+      <p:sp>
+        <p:nvSpPr>
+          <p:cNvPr id="6" name="Footer Placeholder 7">
+            <a:extLst>
+              <a:ext uri="{FF2B5EF4-FFF2-40B4-BE49-F238E27FC236}">
+                <a16:creationId xmlns:a16="http://schemas.microsoft.com/office/drawing/2014/main" id="{CAC3A49B-3196-44DF-AC28-085C72EFBFF0}"/>
+              </a:ext>
+            </a:extLst>
+          </p:cNvPr>
+          <p:cNvSpPr>
+            <a:spLocks noGrp="1"/>
+          </p:cNvSpPr>
+          <p:nvPr>
+            <p:ph type="ftr" sz="quarter" idx="4"/>
+          </p:nvPr>
+        </p:nvSpPr>
+        <p:spPr>
+          <a:xfrm>
+            <a:off x="-1" y="8892000"/>
+            <a:ext cx="6488999" cy="252000"/>
+          </a:xfrm>
+          <a:prstGeom prst="rect">
+            <a:avLst/>
+          </a:prstGeom>
+        </p:spPr>
+        <p:txBody>
+          <a:bodyPr vert="horz" lIns="91440" tIns="45720" rIns="91440" bIns="45720" rtlCol="0" anchor="b"/>
+          <a:lstStyle>
+            <a:lvl1pPr algn="l">
+              <a:defRPr sz="1100"/>
+            </a:lvl1pPr>
+          </a:lstStyle>
+          <a:p>
+            <a:r>
+              <a:rPr lang="bg-BG" sz="1100" dirty="0"/>
+              <a:t>Работна група </a:t>
+            </a:r>
+            <a:r>
+              <a:rPr lang="bg-BG" dirty="0"/>
+              <a:t>"Образование по програмиране и ИТ"</a:t>
+            </a:r>
+            <a:r>
+              <a:rPr lang="bg-BG" sz="1100" dirty="0"/>
+              <a:t>, с подкрепата на </a:t>
+            </a:r>
+            <a:r>
+              <a:rPr lang="en-US" sz="1100" dirty="0">
+                <a:hlinkClick r:id="rId3"/>
+              </a:rPr>
+              <a:t>SoftUni</a:t>
+            </a:r>
+            <a:endParaRPr lang="en-US" sz="1100" dirty="0"/>
+          </a:p>
+        </p:txBody>
+      </p:sp>
+    </p:spTree>
+    <p:extLst>
+      <p:ext uri="{BB962C8B-B14F-4D97-AF65-F5344CB8AC3E}">
         <p14:creationId xmlns:p14="http://schemas.microsoft.com/office/powerpoint/2010/main" val="3466590374"/>
       </p:ext>
     </p:extLst>
@@ -1181,7 +1321,7 @@
 </p:notes>
 </file>
 
-<file path=ppt/notesSlides/notesSlide11.xml><?xml version="1.0" encoding="utf-8"?>
+<file path=ppt/notesSlides/notesSlide12.xml><?xml version="1.0" encoding="utf-8"?>
 <p:notes xmlns:a="http://schemas.openxmlformats.org/drawingml/2006/main" xmlns:r="http://schemas.openxmlformats.org/officeDocument/2006/relationships" xmlns:p="http://schemas.openxmlformats.org/presentationml/2006/main">
   <p:cSld>
     <p:spTree>
@@ -2308,7 +2448,7 @@
           <a:bodyPr/>
           <a:lstStyle/>
           <a:p>
-            <a:endParaRPr lang="en-BG" dirty="0"/>
+            <a:endParaRPr lang="bg-BG" dirty="0"/>
           </a:p>
         </p:txBody>
       </p:sp>
@@ -2329,21 +2469,15 @@
           <a:p>
             <a:fld id="{2BF067CD-8E6B-4360-9AA8-C5DF2A48A6D1}" type="slidenum">
               <a:rPr lang="en-US" smtClean="0"/>
-              <a:t>14</a:t>
+              <a:t>13</a:t>
             </a:fld>
-            <a:endParaRPr lang="en-US"/>
+            <a:endParaRPr lang="en-US" dirty="0"/>
           </a:p>
         </p:txBody>
       </p:sp>
       <p:sp>
         <p:nvSpPr>
-          <p:cNvPr id="5" name="Footer Placeholder 7">
-            <a:extLst>
-              <a:ext uri="{FF2B5EF4-FFF2-40B4-BE49-F238E27FC236}">
-                <a16:creationId xmlns:a16="http://schemas.microsoft.com/office/drawing/2014/main" id="{CAC3A49B-3196-44DF-AC28-085C72EFBFF0}"/>
-              </a:ext>
-            </a:extLst>
-          </p:cNvPr>
+          <p:cNvPr id="5" name="Footer Placeholder 4"/>
           <p:cNvSpPr>
             <a:spLocks noGrp="1"/>
           </p:cNvSpPr>
@@ -2351,37 +2485,25 @@
             <p:ph type="ftr" sz="quarter" idx="4"/>
           </p:nvPr>
         </p:nvSpPr>
-        <p:spPr>
-          <a:xfrm>
-            <a:off x="-1" y="8892000"/>
-            <a:ext cx="6488999" cy="252000"/>
-          </a:xfrm>
-          <a:prstGeom prst="rect">
-            <a:avLst/>
-          </a:prstGeom>
-        </p:spPr>
+        <p:spPr/>
         <p:txBody>
-          <a:bodyPr vert="horz" lIns="91440" tIns="45720" rIns="91440" bIns="45720" rtlCol="0" anchor="b"/>
-          <a:lstStyle>
-            <a:lvl1pPr algn="l">
-              <a:defRPr sz="1100"/>
-            </a:lvl1pPr>
-          </a:lstStyle>
-          <a:p>
-            <a:r>
-              <a:rPr lang="bg-BG" sz="1100" dirty="0"/>
+          <a:bodyPr/>
+          <a:lstStyle/>
+          <a:p>
+            <a:r>
+              <a:rPr lang="bg-BG" sz="1100"/>
               <a:t>Работна група </a:t>
             </a:r>
             <a:r>
-              <a:rPr lang="bg-BG" dirty="0"/>
+              <a:rPr lang="bg-BG"/>
               <a:t>"Образование по програмиране и ИТ"</a:t>
             </a:r>
             <a:r>
-              <a:rPr lang="bg-BG" sz="1100" dirty="0"/>
+              <a:rPr lang="bg-BG" sz="1100"/>
               <a:t>, с подкрепата на </a:t>
             </a:r>
             <a:r>
-              <a:rPr lang="en-US" sz="1100" dirty="0">
+              <a:rPr lang="en-US" sz="1100">
                 <a:hlinkClick r:id="rId3"/>
               </a:rPr>
               <a:t>SoftUni</a:t>
@@ -2393,7 +2515,7 @@
     </p:spTree>
     <p:extLst>
       <p:ext uri="{BB962C8B-B14F-4D97-AF65-F5344CB8AC3E}">
-        <p14:creationId xmlns:p14="http://schemas.microsoft.com/office/powerpoint/2010/main" val="3332648538"/>
+        <p14:creationId xmlns:p14="http://schemas.microsoft.com/office/powerpoint/2010/main" val="1054869238"/>
       </p:ext>
     </p:extLst>
   </p:cSld>
@@ -2447,18 +2569,18 @@
           <a:bodyPr/>
           <a:lstStyle/>
           <a:p>
-            <a:endParaRPr lang="en-US" dirty="0"/>
+            <a:endParaRPr lang="en-BG" dirty="0"/>
           </a:p>
         </p:txBody>
       </p:sp>
       <p:sp>
         <p:nvSpPr>
-          <p:cNvPr id="5" name="Slide Number Placeholder 4"/>
+          <p:cNvPr id="4" name="Slide Number Placeholder 3"/>
           <p:cNvSpPr>
             <a:spLocks noGrp="1"/>
           </p:cNvSpPr>
           <p:nvPr>
-            <p:ph type="sldNum" sz="quarter" idx="11"/>
+            <p:ph type="sldNum" sz="quarter" idx="5"/>
           </p:nvPr>
         </p:nvSpPr>
         <p:spPr/>
@@ -2466,18 +2588,17 @@
           <a:bodyPr/>
           <a:lstStyle/>
           <a:p>
-            <a:fld id="{3EBA5BD7-F043-4D1B-AA17-CD412FC534DE}" type="slidenum">
+            <a:fld id="{2BF067CD-8E6B-4360-9AA8-C5DF2A48A6D1}" type="slidenum">
               <a:rPr lang="en-US" smtClean="0"/>
-              <a:pPr/>
-              <a:t>27</a:t>
+              <a:t>14</a:t>
             </a:fld>
-            <a:endParaRPr lang="en-US" dirty="0"/>
+            <a:endParaRPr lang="en-US"/>
           </a:p>
         </p:txBody>
       </p:sp>
       <p:sp>
         <p:nvSpPr>
-          <p:cNvPr id="6" name="Footer Placeholder 7">
+          <p:cNvPr id="5" name="Footer Placeholder 7">
             <a:extLst>
               <a:ext uri="{FF2B5EF4-FFF2-40B4-BE49-F238E27FC236}">
                 <a16:creationId xmlns:a16="http://schemas.microsoft.com/office/drawing/2014/main" id="{CAC3A49B-3196-44DF-AC28-085C72EFBFF0}"/>
@@ -2533,7 +2654,7 @@
     </p:spTree>
     <p:extLst>
       <p:ext uri="{BB962C8B-B14F-4D97-AF65-F5344CB8AC3E}">
-        <p14:creationId xmlns:p14="http://schemas.microsoft.com/office/powerpoint/2010/main" val="2505804726"/>
+        <p14:creationId xmlns:p14="http://schemas.microsoft.com/office/powerpoint/2010/main" val="3332648538"/>
       </p:ext>
     </p:extLst>
   </p:cSld>
@@ -7820,8 +7941,8 @@
         </p:blipFill>
         <p:spPr>
           <a:xfrm>
-            <a:off x="534045" y="2754000"/>
-            <a:ext cx="2680544" cy="1201623"/>
+            <a:off x="534045" y="2874402"/>
+            <a:ext cx="2411955" cy="1081221"/>
           </a:xfrm>
           <a:prstGeom prst="rect">
             <a:avLst/>
@@ -8470,6 +8591,39 @@
                 </a:effectLst>
               </a:rPr>
               <a:t>Създай</a:t>
+            </a:r>
+            <a:r>
+              <a:rPr lang="en-US" sz="2800" b="1" dirty="0">
+                <a:solidFill>
+                  <a:schemeClr val="bg2"/>
+                </a:solidFill>
+                <a:effectLst>
+                  <a:outerShdw blurRad="38100" dist="38100" dir="2700000" algn="tl">
+                    <a:srgbClr val="000000">
+                      <a:alpha val="43137"/>
+                    </a:srgbClr>
+                  </a:outerShdw>
+                </a:effectLst>
+              </a:rPr>
+              <a:t>/</a:t>
+            </a:r>
+            <a:r>
+              <a:rPr lang="en-US" sz="2800" b="1" dirty="0">
+                <a:solidFill>
+                  <a:schemeClr val="bg1">
+                    <a:lumMod val="60000"/>
+                    <a:lumOff val="40000"/>
+                  </a:schemeClr>
+                </a:solidFill>
+                <a:effectLst>
+                  <a:outerShdw blurRad="38100" dist="38100" dir="2700000" algn="tl">
+                    <a:srgbClr val="000000">
+                      <a:alpha val="43137"/>
+                    </a:srgbClr>
+                  </a:outerShdw>
+                </a:effectLst>
+              </a:rPr>
+              <a:t>New</a:t>
             </a:r>
             <a:r>
               <a:rPr lang="en-US" sz="2800" dirty="0">
@@ -8935,16 +9089,21 @@
             <p:ph type="title" sz="quarter" idx="10"/>
           </p:nvPr>
         </p:nvSpPr>
-        <p:spPr/>
+        <p:spPr>
+          <a:xfrm>
+            <a:off x="615109" y="4910916"/>
+            <a:ext cx="10961783" cy="768084"/>
+          </a:xfrm>
+        </p:spPr>
         <p:txBody>
           <a:bodyPr/>
           <a:lstStyle/>
           <a:p>
             <a:r>
-              <a:rPr lang="ru-RU" smtClean="0"/>
+              <a:rPr lang="ru-RU" dirty="0"/>
               <a:t>Работа с файлове и папки</a:t>
             </a:r>
-            <a:endParaRPr lang="en-US"/>
+            <a:endParaRPr lang="en-US" dirty="0"/>
           </a:p>
         </p:txBody>
       </p:sp>
@@ -9013,16 +9172,21 @@
             <p:ph type="subTitle" sz="quarter" idx="11"/>
           </p:nvPr>
         </p:nvSpPr>
-        <p:spPr/>
+        <p:spPr>
+          <a:xfrm>
+            <a:off x="615109" y="5720916"/>
+            <a:ext cx="10961783" cy="768084"/>
+          </a:xfrm>
+        </p:spPr>
         <p:txBody>
           <a:bodyPr/>
           <a:lstStyle/>
           <a:p>
             <a:r>
-              <a:rPr lang="ru-RU" smtClean="0"/>
+              <a:rPr lang="ru-RU" dirty="0"/>
               <a:t>Създаване, копиране, преместване и изтриване</a:t>
             </a:r>
-            <a:endParaRPr lang="en-US"/>
+            <a:endParaRPr lang="en-US" dirty="0"/>
           </a:p>
         </p:txBody>
       </p:sp>
@@ -9044,13 +9208,6 @@
       <p:transition spd="slow" advClick="0" advTm="5000"/>
     </mc:Fallback>
   </mc:AlternateContent>
-  <p:timing>
-    <p:tnLst>
-      <p:par>
-        <p:cTn id="1" dur="indefinite" restart="never" nodeType="tmRoot"/>
-      </p:par>
-    </p:tnLst>
-  </p:timing>
 </p:sld>
 </file>
 
@@ -9080,7 +9237,7 @@
           <p:nvPr/>
         </p:nvPicPr>
         <p:blipFill rotWithShape="1">
-          <a:blip r:embed="rId2"/>
+          <a:blip r:embed="rId3"/>
           <a:srcRect r="27990" b="28460"/>
           <a:stretch/>
         </p:blipFill>
@@ -9236,8 +9393,8 @@
           </a:xfrm>
           <a:prstGeom prst="wedgeRoundRectCallout">
             <a:avLst>
-              <a:gd name="adj1" fmla="val -31937"/>
-              <a:gd name="adj2" fmla="val 109114"/>
+              <a:gd name="adj1" fmla="val -39254"/>
+              <a:gd name="adj2" fmla="val 122370"/>
               <a:gd name="adj3" fmla="val 16667"/>
             </a:avLst>
           </a:prstGeom>
@@ -9314,7 +9471,7 @@
           <a:prstGeom prst="wedgeRoundRectCallout">
             <a:avLst>
               <a:gd name="adj1" fmla="val 23493"/>
-              <a:gd name="adj2" fmla="val 99175"/>
+              <a:gd name="adj2" fmla="val 112431"/>
               <a:gd name="adj3" fmla="val 16667"/>
             </a:avLst>
           </a:prstGeom>
@@ -9462,13 +9619,13 @@
         </p:nvSpPr>
         <p:spPr bwMode="auto">
           <a:xfrm>
-            <a:off x="5983107" y="3574761"/>
+            <a:off x="5983107" y="3384000"/>
             <a:ext cx="2154524" cy="634294"/>
           </a:xfrm>
           <a:prstGeom prst="wedgeRoundRectCallout">
             <a:avLst>
               <a:gd name="adj1" fmla="val 44629"/>
-              <a:gd name="adj2" fmla="val -124860"/>
+              <a:gd name="adj2" fmla="val -114918"/>
               <a:gd name="adj3" fmla="val 16667"/>
             </a:avLst>
           </a:prstGeom>
@@ -9539,13 +9696,13 @@
         </p:nvSpPr>
         <p:spPr bwMode="auto">
           <a:xfrm>
-            <a:off x="8762680" y="3574761"/>
+            <a:off x="8762680" y="3339000"/>
             <a:ext cx="2154524" cy="634294"/>
           </a:xfrm>
           <a:prstGeom prst="wedgeRoundRectCallout">
             <a:avLst>
-              <a:gd name="adj1" fmla="val 60986"/>
-              <a:gd name="adj2" fmla="val -196940"/>
+              <a:gd name="adj1" fmla="val 62449"/>
+              <a:gd name="adj2" fmla="val -180370"/>
               <a:gd name="adj3" fmla="val 16667"/>
             </a:avLst>
           </a:prstGeom>
@@ -9591,7 +9748,7 @@
           <a:p>
             <a:pPr algn="ctr"/>
             <a:r>
-              <a:rPr lang="bg-BG" sz="2800" b="1" dirty="0" smtClean="0">
+              <a:rPr lang="bg-BG" sz="2800" b="1" dirty="0">
                 <a:solidFill>
                   <a:srgbClr val="FFFFFF"/>
                 </a:solidFill>
@@ -9605,18 +9762,6 @@
               </a:rPr>
               <a:t>Отваряне</a:t>
             </a:r>
-            <a:endParaRPr lang="bg-BG" sz="2800" b="1" dirty="0">
-              <a:solidFill>
-                <a:srgbClr val="FFFFFF"/>
-              </a:solidFill>
-              <a:effectLst>
-                <a:outerShdw blurRad="38100" dist="38100" dir="2700000" algn="tl">
-                  <a:srgbClr val="000000">
-                    <a:alpha val="43137"/>
-                  </a:srgbClr>
-                </a:outerShdw>
-              </a:effectLst>
-            </a:endParaRPr>
           </a:p>
         </p:txBody>
       </p:sp>
@@ -10720,13 +10865,13 @@
         </p:nvSpPr>
         <p:spPr bwMode="auto">
           <a:xfrm>
-            <a:off x="2341753" y="1406433"/>
+            <a:off x="2655074" y="1813541"/>
             <a:ext cx="2670629" cy="971491"/>
           </a:xfrm>
           <a:prstGeom prst="wedgeRoundRectCallout">
             <a:avLst>
-              <a:gd name="adj1" fmla="val 71454"/>
-              <a:gd name="adj2" fmla="val 118988"/>
+              <a:gd name="adj1" fmla="val 74996"/>
+              <a:gd name="adj2" fmla="val 129807"/>
               <a:gd name="adj3" fmla="val 16667"/>
             </a:avLst>
           </a:prstGeom>
@@ -11074,8 +11219,8 @@
         </p:nvSpPr>
         <p:spPr bwMode="auto">
           <a:xfrm>
-            <a:off x="7622847" y="3217040"/>
-            <a:ext cx="934889" cy="200025"/>
+            <a:off x="7622847" y="3135172"/>
+            <a:ext cx="934889" cy="281893"/>
           </a:xfrm>
           <a:prstGeom prst="rect">
             <a:avLst/>
@@ -11141,7 +11286,7 @@
         <p:spPr bwMode="auto">
           <a:xfrm>
             <a:off x="7622848" y="3417065"/>
-            <a:ext cx="934889" cy="224278"/>
+            <a:ext cx="934889" cy="281894"/>
           </a:xfrm>
           <a:prstGeom prst="rect">
             <a:avLst/>
@@ -11591,7 +11736,7 @@
         </p:nvSpPr>
         <p:spPr bwMode="auto">
           <a:xfrm>
-            <a:off x="4364125" y="5038091"/>
+            <a:off x="4071000" y="5049000"/>
             <a:ext cx="3463725" cy="1163648"/>
           </a:xfrm>
           <a:prstGeom prst="wedgeRoundRectCallout">
@@ -11701,7 +11846,7 @@
         </p:nvSpPr>
         <p:spPr bwMode="auto">
           <a:xfrm>
-            <a:off x="3524238" y="2996946"/>
+            <a:off x="3362688" y="2886341"/>
             <a:ext cx="2428877" cy="659619"/>
           </a:xfrm>
           <a:prstGeom prst="wedgeRoundRectCallout">
@@ -12513,13 +12658,13 @@
         </p:nvSpPr>
         <p:spPr bwMode="auto">
           <a:xfrm>
-            <a:off x="577407" y="2514662"/>
-            <a:ext cx="2867017" cy="1262943"/>
+            <a:off x="876000" y="2772260"/>
+            <a:ext cx="4213545" cy="1262943"/>
           </a:xfrm>
           <a:prstGeom prst="wedgeRoundRectCallout">
             <a:avLst>
-              <a:gd name="adj1" fmla="val 104380"/>
-              <a:gd name="adj2" fmla="val -79860"/>
+              <a:gd name="adj1" fmla="val 50500"/>
+              <a:gd name="adj2" fmla="val -83189"/>
               <a:gd name="adj3" fmla="val 16667"/>
             </a:avLst>
           </a:prstGeom>
@@ -12611,6 +12756,39 @@
                 </a:effectLst>
               </a:rPr>
               <a:t>Преименуване</a:t>
+            </a:r>
+            <a:r>
+              <a:rPr lang="en-US" sz="2800" b="1" dirty="0">
+                <a:solidFill>
+                  <a:schemeClr val="bg2"/>
+                </a:solidFill>
+                <a:effectLst>
+                  <a:outerShdw blurRad="38100" dist="38100" dir="2700000" algn="tl">
+                    <a:srgbClr val="000000">
+                      <a:alpha val="43137"/>
+                    </a:srgbClr>
+                  </a:outerShdw>
+                </a:effectLst>
+              </a:rPr>
+              <a:t>/</a:t>
+            </a:r>
+            <a:r>
+              <a:rPr lang="en-US" sz="2800" b="1" dirty="0">
+                <a:solidFill>
+                  <a:schemeClr val="bg1">
+                    <a:lumMod val="60000"/>
+                    <a:lumOff val="40000"/>
+                  </a:schemeClr>
+                </a:solidFill>
+                <a:effectLst>
+                  <a:outerShdw blurRad="38100" dist="38100" dir="2700000" algn="tl">
+                    <a:srgbClr val="000000">
+                      <a:alpha val="43137"/>
+                    </a:srgbClr>
+                  </a:outerShdw>
+                </a:effectLst>
+              </a:rPr>
+              <a:t>Rename</a:t>
             </a:r>
             <a:r>
               <a:rPr lang="en-US" sz="2800" dirty="0">
@@ -12936,13 +13114,13 @@
         </p:nvSpPr>
         <p:spPr bwMode="auto">
           <a:xfrm>
-            <a:off x="6095988" y="4737661"/>
-            <a:ext cx="2867017" cy="1262943"/>
+            <a:off x="5961000" y="4689020"/>
+            <a:ext cx="3869856" cy="1484900"/>
           </a:xfrm>
           <a:prstGeom prst="wedgeRoundRectCallout">
             <a:avLst>
-              <a:gd name="adj1" fmla="val -81329"/>
-              <a:gd name="adj2" fmla="val 62109"/>
+              <a:gd name="adj1" fmla="val -79699"/>
+              <a:gd name="adj2" fmla="val 47245"/>
               <a:gd name="adj3" fmla="val 16667"/>
             </a:avLst>
           </a:prstGeom>
@@ -13002,6 +13180,96 @@
               </a:rPr>
               <a:t>Редактираме името на файла</a:t>
             </a:r>
+            <a:r>
+              <a:rPr lang="en-US" sz="2800" b="1" dirty="0">
+                <a:solidFill>
+                  <a:srgbClr val="FFFFFF"/>
+                </a:solidFill>
+                <a:effectLst>
+                  <a:outerShdw blurRad="38100" dist="38100" dir="2700000" algn="tl">
+                    <a:srgbClr val="000000">
+                      <a:alpha val="43137"/>
+                    </a:srgbClr>
+                  </a:outerShdw>
+                </a:effectLst>
+              </a:rPr>
+              <a:t> </a:t>
+            </a:r>
+            <a:r>
+              <a:rPr lang="bg-BG" sz="2800" b="1" dirty="0">
+                <a:solidFill>
+                  <a:srgbClr val="FFFFFF"/>
+                </a:solidFill>
+                <a:effectLst>
+                  <a:outerShdw blurRad="38100" dist="38100" dir="2700000" algn="tl">
+                    <a:srgbClr val="000000">
+                      <a:alpha val="43137"/>
+                    </a:srgbClr>
+                  </a:outerShdw>
+                </a:effectLst>
+              </a:rPr>
+              <a:t>и натискаме </a:t>
+            </a:r>
+            <a:r>
+              <a:rPr lang="en-US" sz="2800" b="1" dirty="0">
+                <a:solidFill>
+                  <a:srgbClr val="FFFFFF"/>
+                </a:solidFill>
+                <a:effectLst>
+                  <a:outerShdw blurRad="38100" dist="38100" dir="2700000" algn="tl">
+                    <a:srgbClr val="000000">
+                      <a:alpha val="43137"/>
+                    </a:srgbClr>
+                  </a:outerShdw>
+                </a:effectLst>
+              </a:rPr>
+              <a:t>[</a:t>
+            </a:r>
+            <a:r>
+              <a:rPr lang="en-US" sz="2800" b="1" dirty="0">
+                <a:solidFill>
+                  <a:schemeClr val="bg1">
+                    <a:lumMod val="60000"/>
+                    <a:lumOff val="40000"/>
+                  </a:schemeClr>
+                </a:solidFill>
+                <a:effectLst>
+                  <a:outerShdw blurRad="38100" dist="38100" dir="2700000" algn="tl">
+                    <a:srgbClr val="000000">
+                      <a:alpha val="43137"/>
+                    </a:srgbClr>
+                  </a:outerShdw>
+                </a:effectLst>
+              </a:rPr>
+              <a:t>Enter</a:t>
+            </a:r>
+            <a:r>
+              <a:rPr lang="en-US" sz="2800" b="1" dirty="0">
+                <a:solidFill>
+                  <a:srgbClr val="FFFFFF"/>
+                </a:solidFill>
+                <a:effectLst>
+                  <a:outerShdw blurRad="38100" dist="38100" dir="2700000" algn="tl">
+                    <a:srgbClr val="000000">
+                      <a:alpha val="43137"/>
+                    </a:srgbClr>
+                  </a:outerShdw>
+                </a:effectLst>
+              </a:rPr>
+              <a:t>]</a:t>
+            </a:r>
+            <a:endParaRPr lang="bg-BG" sz="2800" b="1" dirty="0">
+              <a:solidFill>
+                <a:srgbClr val="FFFFFF"/>
+              </a:solidFill>
+              <a:effectLst>
+                <a:outerShdw blurRad="38100" dist="38100" dir="2700000" algn="tl">
+                  <a:srgbClr val="000000">
+                    <a:alpha val="43137"/>
+                  </a:srgbClr>
+                </a:outerShdw>
+              </a:effectLst>
+            </a:endParaRPr>
           </a:p>
         </p:txBody>
       </p:sp>
@@ -13824,8 +14092,8 @@
         </p:nvSpPr>
         <p:spPr bwMode="auto">
           <a:xfrm>
-            <a:off x="6284525" y="5449161"/>
-            <a:ext cx="3611753" cy="1274216"/>
+            <a:off x="6284525" y="5319000"/>
+            <a:ext cx="3611753" cy="1057839"/>
           </a:xfrm>
           <a:prstGeom prst="wedgeRoundRectCallout">
             <a:avLst>
@@ -13901,7 +14169,7 @@
         </p:nvSpPr>
         <p:spPr bwMode="auto">
           <a:xfrm>
-            <a:off x="8805349" y="1230734"/>
+            <a:off x="8706000" y="1179000"/>
             <a:ext cx="2967551" cy="1102891"/>
           </a:xfrm>
           <a:prstGeom prst="wedgeRoundRectCallout">
@@ -13965,25 +14233,10 @@
                   </a:outerShdw>
                 </a:effectLst>
               </a:rPr>
-              <a:t>Кликваме </a:t>
-            </a:r>
-            <a:r>
-              <a:rPr lang="bg-BG" sz="2800" b="1" dirty="0" smtClean="0">
-                <a:solidFill>
-                  <a:srgbClr val="FFFFFF"/>
-                </a:solidFill>
-                <a:effectLst>
-                  <a:outerShdw blurRad="38100" dist="38100" dir="2700000" algn="tl">
-                    <a:srgbClr val="000000">
-                      <a:alpha val="43137"/>
-                    </a:srgbClr>
-                  </a:outerShdw>
-                </a:effectLst>
-              </a:rPr>
-              <a:t>върху </a:t>
-            </a:r>
-            <a:r>
-              <a:rPr lang="en-US" sz="2800" b="1" dirty="0" smtClean="0">
+              <a:t>Кликваме върху </a:t>
+            </a:r>
+            <a:r>
+              <a:rPr lang="en-US" sz="2800" b="1" dirty="0">
                 <a:solidFill>
                   <a:srgbClr val="FFFFFF"/>
                 </a:solidFill>
@@ -14013,28 +14266,10 @@
                   </a:outerShdw>
                 </a:effectLst>
               </a:rPr>
-              <a:t>И</a:t>
-            </a:r>
-            <a:r>
-              <a:rPr lang="bg-BG" sz="2800" b="1" dirty="0" smtClean="0">
-                <a:solidFill>
-                  <a:schemeClr val="bg1">
-                    <a:lumMod val="60000"/>
-                    <a:lumOff val="40000"/>
-                  </a:schemeClr>
-                </a:solidFill>
-                <a:effectLst>
-                  <a:outerShdw blurRad="38100" dist="38100" dir="2700000" algn="tl">
-                    <a:srgbClr val="000000">
-                      <a:alpha val="43137"/>
-                    </a:srgbClr>
-                  </a:outerShdw>
-                </a:effectLst>
-              </a:rPr>
-              <a:t>зтрий</a:t>
-            </a:r>
-            <a:r>
-              <a:rPr lang="en-US" sz="2800" b="1" dirty="0" smtClean="0">
+              <a:t>Изтрий</a:t>
+            </a:r>
+            <a:r>
+              <a:rPr lang="en-US" sz="2800" b="1" dirty="0">
                 <a:solidFill>
                   <a:srgbClr val="FFFFFF"/>
                 </a:solidFill>
@@ -14403,7 +14638,7 @@
         </p:nvSpPr>
         <p:spPr bwMode="auto">
           <a:xfrm>
-            <a:off x="7038026" y="4743560"/>
+            <a:off x="6501000" y="5139000"/>
             <a:ext cx="3285981" cy="1083872"/>
           </a:xfrm>
           <a:prstGeom prst="wedgeRoundRectCallout">
@@ -14815,7 +15050,7 @@
         </p:nvSpPr>
         <p:spPr bwMode="auto">
           <a:xfrm>
-            <a:off x="938971" y="3974113"/>
+            <a:off x="938971" y="3901472"/>
             <a:ext cx="3486150" cy="1192528"/>
           </a:xfrm>
           <a:prstGeom prst="wedgeRoundRectCallout">
@@ -14904,7 +15139,7 @@
         </p:nvSpPr>
         <p:spPr bwMode="auto">
           <a:xfrm>
-            <a:off x="5717854" y="1872676"/>
+            <a:off x="5466000" y="1899000"/>
             <a:ext cx="3735344" cy="834456"/>
           </a:xfrm>
           <a:prstGeom prst="wedgeRoundRectCallout">
@@ -15528,7 +15763,7 @@
         </p:blipFill>
         <p:spPr>
           <a:xfrm>
-            <a:off x="2260818" y="414627"/>
+            <a:off x="2260817" y="493827"/>
             <a:ext cx="7670365" cy="4141276"/>
           </a:xfrm>
           <a:prstGeom prst="rect">
@@ -15541,6 +15776,13 @@
               </a:schemeClr>
             </a:solidFill>
           </a:ln>
+          <a:effectLst>
+            <a:outerShdw blurRad="292100" dist="139700" dir="2700000" algn="tl" rotWithShape="0">
+              <a:srgbClr val="333333">
+                <a:alpha val="65000"/>
+              </a:srgbClr>
+            </a:outerShdw>
+          </a:effectLst>
         </p:spPr>
       </p:pic>
       <p:sp>
@@ -15553,16 +15795,21 @@
             <p:ph type="title" sz="quarter" idx="10"/>
           </p:nvPr>
         </p:nvSpPr>
-        <p:spPr/>
+        <p:spPr>
+          <a:xfrm>
+            <a:off x="615109" y="4910916"/>
+            <a:ext cx="10961783" cy="768084"/>
+          </a:xfrm>
+        </p:spPr>
         <p:txBody>
           <a:bodyPr/>
           <a:lstStyle/>
           <a:p>
             <a:r>
-              <a:rPr lang="bg-BG" smtClean="0"/>
+              <a:rPr lang="bg-BG" dirty="0"/>
               <a:t>Изглед и визуализация</a:t>
             </a:r>
-            <a:endParaRPr lang="en-US"/>
+            <a:endParaRPr lang="en-US" dirty="0"/>
           </a:p>
         </p:txBody>
       </p:sp>
@@ -15576,16 +15823,21 @@
             <p:ph type="subTitle" sz="quarter" idx="11"/>
           </p:nvPr>
         </p:nvSpPr>
-        <p:spPr/>
+        <p:spPr>
+          <a:xfrm>
+            <a:off x="615109" y="5675916"/>
+            <a:ext cx="10961783" cy="768084"/>
+          </a:xfrm>
+        </p:spPr>
         <p:txBody>
           <a:bodyPr/>
           <a:lstStyle/>
           <a:p>
             <a:r>
-              <a:rPr lang="ru-RU" smtClean="0"/>
+              <a:rPr lang="ru-RU" dirty="0"/>
               <a:t>Настройки на изгледа на файловия мениджър</a:t>
             </a:r>
-            <a:endParaRPr lang="en-US"/>
+            <a:endParaRPr lang="en-US" dirty="0"/>
           </a:p>
         </p:txBody>
       </p:sp>
@@ -15607,13 +15859,6 @@
       <p:transition spd="slow" advClick="0" advTm="5000"/>
     </mc:Fallback>
   </mc:AlternateContent>
-  <p:timing>
-    <p:tnLst>
-      <p:par>
-        <p:cTn id="1" dur="indefinite" restart="never" nodeType="tmRoot"/>
-      </p:par>
-    </p:tnLst>
-  </p:timing>
 </p:sld>
 </file>
 
@@ -15761,12 +16006,12 @@
         <p:spPr bwMode="auto">
           <a:xfrm>
             <a:off x="995114" y="4036695"/>
-            <a:ext cx="3840480" cy="2012807"/>
+            <a:ext cx="3840480" cy="1777305"/>
           </a:xfrm>
           <a:prstGeom prst="wedgeRoundRectCallout">
             <a:avLst>
-              <a:gd name="adj1" fmla="val 7641"/>
-              <a:gd name="adj2" fmla="val -94862"/>
+              <a:gd name="adj1" fmla="val 4631"/>
+              <a:gd name="adj2" fmla="val -103141"/>
               <a:gd name="adj3" fmla="val 16667"/>
             </a:avLst>
           </a:prstGeom>
@@ -15827,7 +16072,7 @@
               <a:t>От лентата на файловия мениджър изберете </a:t>
             </a:r>
             <a:r>
-              <a:rPr lang="en-US" sz="2800" dirty="0" smtClean="0">
+              <a:rPr lang="en-US" sz="2800" dirty="0">
                 <a:solidFill>
                   <a:srgbClr val="FFFFFF"/>
                 </a:solidFill>
@@ -15842,7 +16087,7 @@
               <a:t>[</a:t>
             </a:r>
             <a:r>
-              <a:rPr lang="bg-BG" sz="2800" b="1" dirty="0" smtClean="0">
+              <a:rPr lang="bg-BG" sz="2800" b="1" dirty="0">
                 <a:solidFill>
                   <a:schemeClr val="bg1">
                     <a:lumMod val="60000"/>
@@ -16159,7 +16404,7 @@
         </p:nvSpPr>
         <p:spPr bwMode="auto">
           <a:xfrm>
-            <a:off x="8867709" y="5393821"/>
+            <a:off x="7991763" y="5109475"/>
             <a:ext cx="3178458" cy="808451"/>
           </a:xfrm>
           <a:prstGeom prst="wedgeRoundRectCallout">
@@ -18180,7 +18425,7 @@
                 <a:hlinkClick r:id="rId3">
                   <a:extLst>
                     <a:ext uri="{A12FA001-AC4F-418D-AE19-62706E023703}">
-                      <ahyp:hlinkClr xmlns="" xmlns:ahyp="http://schemas.microsoft.com/office/drawing/2018/hyperlinkcolor" val="tx"/>
+                      <ahyp:hlinkClr xmlns:ahyp="http://schemas.microsoft.com/office/drawing/2018/hyperlinkcolor" val="tx"/>
                     </a:ext>
                   </a:extLst>
                 </a:hlinkClick>
@@ -18666,16 +18911,21 @@
             <p:ph type="title" sz="quarter" idx="10"/>
           </p:nvPr>
         </p:nvSpPr>
-        <p:spPr/>
+        <p:spPr>
+          <a:xfrm>
+            <a:off x="615108" y="4914000"/>
+            <a:ext cx="10961783" cy="768084"/>
+          </a:xfrm>
+        </p:spPr>
         <p:txBody>
           <a:bodyPr/>
           <a:lstStyle/>
           <a:p>
             <a:r>
-              <a:rPr lang="bg-BG" smtClean="0"/>
+              <a:rPr lang="bg-BG" dirty="0"/>
               <a:t>Файлове и папки</a:t>
             </a:r>
-            <a:endParaRPr lang="en-US"/>
+            <a:endParaRPr lang="en-US" dirty="0"/>
           </a:p>
         </p:txBody>
       </p:sp>
@@ -18687,16 +18937,15 @@
           </p:cNvPicPr>
           <p:nvPr/>
         </p:nvPicPr>
-        <p:blipFill>
+        <p:blipFill rotWithShape="1">
           <a:blip r:embed="rId2"/>
-          <a:stretch>
-            <a:fillRect/>
-          </a:stretch>
+          <a:srcRect l="12546" t="19884" r="9508"/>
+          <a:stretch/>
         </p:blipFill>
         <p:spPr>
           <a:xfrm>
-            <a:off x="3873308" y="648837"/>
-            <a:ext cx="4445380" cy="4024058"/>
+            <a:off x="4003500" y="684000"/>
+            <a:ext cx="4185000" cy="3893794"/>
           </a:xfrm>
           <a:prstGeom prst="rect">
             <a:avLst/>
@@ -18727,16 +18976,21 @@
             <p:ph type="subTitle" sz="quarter" idx="11"/>
           </p:nvPr>
         </p:nvSpPr>
-        <p:spPr/>
+        <p:spPr>
+          <a:xfrm>
+            <a:off x="615106" y="5682084"/>
+            <a:ext cx="10961783" cy="768084"/>
+          </a:xfrm>
+        </p:spPr>
         <p:txBody>
           <a:bodyPr/>
           <a:lstStyle/>
           <a:p>
             <a:r>
-              <a:rPr lang="ru-RU" smtClean="0"/>
+              <a:rPr lang="ru-RU" dirty="0"/>
               <a:t>Име, разширение и тип на файл</a:t>
             </a:r>
-            <a:endParaRPr lang="en-US"/>
+            <a:endParaRPr lang="en-US" dirty="0"/>
           </a:p>
         </p:txBody>
       </p:sp>
@@ -18855,13 +19109,8 @@
             </a:r>
             <a:r>
               <a:rPr lang="bg-BG" sz="3200" dirty="0"/>
-              <a:t>съвкупност от данни, съхранени в </a:t>
-            </a:r>
-            <a:r>
-              <a:rPr lang="bg-BG" sz="3200" dirty="0" smtClean="0"/>
-              <a:t>компютъра</a:t>
-            </a:r>
-            <a:endParaRPr lang="bg-BG" sz="3200" dirty="0"/>
+              <a:t>съвкупност от данни, съхранени в компютъра</a:t>
+            </a:r>
           </a:p>
         </p:txBody>
       </p:sp>
@@ -18956,13 +19205,6 @@
       <p:transition spd="slow" advClick="0" advTm="5000"/>
     </mc:Fallback>
   </mc:AlternateContent>
-  <p:timing>
-    <p:tnLst>
-      <p:par>
-        <p:cTn id="1" dur="indefinite" restart="never" nodeType="tmRoot"/>
-      </p:par>
-    </p:tnLst>
-  </p:timing>
 </p:sld>
 </file>
 
@@ -19181,7 +19423,7 @@
           <a:lstStyle/>
           <a:p>
             <a:r>
-              <a:rPr lang="bg-BG" dirty="0" smtClean="0"/>
+              <a:rPr lang="bg-BG" dirty="0"/>
               <a:t>Файл</a:t>
             </a:r>
             <a:endParaRPr lang="en-US" dirty="0"/>
@@ -19248,6 +19490,232 @@
       <p:transition spd="slow" advClick="0" advTm="5000"/>
     </mc:Fallback>
   </mc:AlternateContent>
+  <p:timing>
+    <p:tnLst>
+      <p:par>
+        <p:cTn id="1" dur="indefinite" restart="never" nodeType="tmRoot">
+          <p:childTnLst>
+            <p:seq concurrent="1" nextAc="seek">
+              <p:cTn id="2" dur="indefinite" nodeType="mainSeq">
+                <p:childTnLst>
+                  <p:par>
+                    <p:cTn id="3" fill="hold">
+                      <p:stCondLst>
+                        <p:cond delay="indefinite"/>
+                      </p:stCondLst>
+                      <p:childTnLst>
+                        <p:par>
+                          <p:cTn id="4" fill="hold">
+                            <p:stCondLst>
+                              <p:cond delay="0"/>
+                            </p:stCondLst>
+                            <p:childTnLst>
+                              <p:par>
+                                <p:cTn id="5" presetID="1" presetClass="entr" presetSubtype="0" fill="hold" nodeType="clickEffect">
+                                  <p:stCondLst>
+                                    <p:cond delay="0"/>
+                                  </p:stCondLst>
+                                  <p:childTnLst>
+                                    <p:set>
+                                      <p:cBhvr>
+                                        <p:cTn id="6" dur="1" fill="hold">
+                                          <p:stCondLst>
+                                            <p:cond delay="0"/>
+                                          </p:stCondLst>
+                                        </p:cTn>
+                                        <p:tgtEl>
+                                          <p:spTgt spid="6">
+                                            <p:txEl>
+                                              <p:pRg st="2" end="2"/>
+                                            </p:txEl>
+                                          </p:spTgt>
+                                        </p:tgtEl>
+                                        <p:attrNameLst>
+                                          <p:attrName>style.visibility</p:attrName>
+                                        </p:attrNameLst>
+                                      </p:cBhvr>
+                                      <p:to>
+                                        <p:strVal val="visible"/>
+                                      </p:to>
+                                    </p:set>
+                                  </p:childTnLst>
+                                </p:cTn>
+                              </p:par>
+                            </p:childTnLst>
+                          </p:cTn>
+                        </p:par>
+                      </p:childTnLst>
+                    </p:cTn>
+                  </p:par>
+                  <p:par>
+                    <p:cTn id="7" fill="hold">
+                      <p:stCondLst>
+                        <p:cond delay="indefinite"/>
+                      </p:stCondLst>
+                      <p:childTnLst>
+                        <p:par>
+                          <p:cTn id="8" fill="hold">
+                            <p:stCondLst>
+                              <p:cond delay="0"/>
+                            </p:stCondLst>
+                            <p:childTnLst>
+                              <p:par>
+                                <p:cTn id="9" presetID="1" presetClass="entr" presetSubtype="0" fill="hold" nodeType="clickEffect">
+                                  <p:stCondLst>
+                                    <p:cond delay="0"/>
+                                  </p:stCondLst>
+                                  <p:childTnLst>
+                                    <p:set>
+                                      <p:cBhvr>
+                                        <p:cTn id="10" dur="1" fill="hold">
+                                          <p:stCondLst>
+                                            <p:cond delay="0"/>
+                                          </p:stCondLst>
+                                        </p:cTn>
+                                        <p:tgtEl>
+                                          <p:spTgt spid="6">
+                                            <p:txEl>
+                                              <p:pRg st="3" end="3"/>
+                                            </p:txEl>
+                                          </p:spTgt>
+                                        </p:tgtEl>
+                                        <p:attrNameLst>
+                                          <p:attrName>style.visibility</p:attrName>
+                                        </p:attrNameLst>
+                                      </p:cBhvr>
+                                      <p:to>
+                                        <p:strVal val="visible"/>
+                                      </p:to>
+                                    </p:set>
+                                  </p:childTnLst>
+                                </p:cTn>
+                              </p:par>
+                            </p:childTnLst>
+                          </p:cTn>
+                        </p:par>
+                      </p:childTnLst>
+                    </p:cTn>
+                  </p:par>
+                  <p:par>
+                    <p:cTn id="11" fill="hold">
+                      <p:stCondLst>
+                        <p:cond delay="indefinite"/>
+                      </p:stCondLst>
+                      <p:childTnLst>
+                        <p:par>
+                          <p:cTn id="12" fill="hold">
+                            <p:stCondLst>
+                              <p:cond delay="0"/>
+                            </p:stCondLst>
+                            <p:childTnLst>
+                              <p:par>
+                                <p:cTn id="13" presetID="1" presetClass="entr" presetSubtype="0" fill="hold" nodeType="clickEffect">
+                                  <p:stCondLst>
+                                    <p:cond delay="0"/>
+                                  </p:stCondLst>
+                                  <p:childTnLst>
+                                    <p:set>
+                                      <p:cBhvr>
+                                        <p:cTn id="14" dur="1" fill="hold">
+                                          <p:stCondLst>
+                                            <p:cond delay="0"/>
+                                          </p:stCondLst>
+                                        </p:cTn>
+                                        <p:tgtEl>
+                                          <p:spTgt spid="6">
+                                            <p:txEl>
+                                              <p:pRg st="4" end="4"/>
+                                            </p:txEl>
+                                          </p:spTgt>
+                                        </p:tgtEl>
+                                        <p:attrNameLst>
+                                          <p:attrName>style.visibility</p:attrName>
+                                        </p:attrNameLst>
+                                      </p:cBhvr>
+                                      <p:to>
+                                        <p:strVal val="visible"/>
+                                      </p:to>
+                                    </p:set>
+                                  </p:childTnLst>
+                                </p:cTn>
+                              </p:par>
+                            </p:childTnLst>
+                          </p:cTn>
+                        </p:par>
+                      </p:childTnLst>
+                    </p:cTn>
+                  </p:par>
+                  <p:par>
+                    <p:cTn id="15" fill="hold">
+                      <p:stCondLst>
+                        <p:cond delay="indefinite"/>
+                      </p:stCondLst>
+                      <p:childTnLst>
+                        <p:par>
+                          <p:cTn id="16" fill="hold">
+                            <p:stCondLst>
+                              <p:cond delay="0"/>
+                            </p:stCondLst>
+                            <p:childTnLst>
+                              <p:par>
+                                <p:cTn id="17" presetID="1" presetClass="entr" presetSubtype="0" fill="hold" nodeType="clickEffect">
+                                  <p:stCondLst>
+                                    <p:cond delay="0"/>
+                                  </p:stCondLst>
+                                  <p:childTnLst>
+                                    <p:set>
+                                      <p:cBhvr>
+                                        <p:cTn id="18" dur="1" fill="hold">
+                                          <p:stCondLst>
+                                            <p:cond delay="0"/>
+                                          </p:stCondLst>
+                                        </p:cTn>
+                                        <p:tgtEl>
+                                          <p:spTgt spid="6">
+                                            <p:txEl>
+                                              <p:pRg st="5" end="5"/>
+                                            </p:txEl>
+                                          </p:spTgt>
+                                        </p:tgtEl>
+                                        <p:attrNameLst>
+                                          <p:attrName>style.visibility</p:attrName>
+                                        </p:attrNameLst>
+                                      </p:cBhvr>
+                                      <p:to>
+                                        <p:strVal val="visible"/>
+                                      </p:to>
+                                    </p:set>
+                                  </p:childTnLst>
+                                </p:cTn>
+                              </p:par>
+                            </p:childTnLst>
+                          </p:cTn>
+                        </p:par>
+                      </p:childTnLst>
+                    </p:cTn>
+                  </p:par>
+                </p:childTnLst>
+              </p:cTn>
+              <p:prevCondLst>
+                <p:cond evt="onPrev" delay="0">
+                  <p:tgtEl>
+                    <p:sldTgt/>
+                  </p:tgtEl>
+                </p:cond>
+              </p:prevCondLst>
+              <p:nextCondLst>
+                <p:cond evt="onNext" delay="0">
+                  <p:tgtEl>
+                    <p:sldTgt/>
+                  </p:tgtEl>
+                </p:cond>
+              </p:nextCondLst>
+            </p:seq>
+          </p:childTnLst>
+        </p:cTn>
+      </p:par>
+    </p:tnLst>
+  </p:timing>
 </p:sld>
 </file>
 
@@ -19286,8 +19754,8 @@
         </p:nvSpPr>
         <p:spPr>
           <a:xfrm>
-            <a:off x="190402" y="1285875"/>
-            <a:ext cx="11804832" cy="5274275"/>
+            <a:off x="471000" y="1285875"/>
+            <a:ext cx="11524234" cy="5274275"/>
           </a:xfrm>
         </p:spPr>
         <p:txBody>
@@ -19343,7 +19811,7 @@
             <a:endParaRPr lang="en-US" sz="3200" dirty="0"/>
           </a:p>
           <a:p>
-            <a:pPr marL="533067" lvl="2">
+            <a:pPr marL="977567" lvl="3">
               <a:lnSpc>
                 <a:spcPct val="125000"/>
               </a:lnSpc>
@@ -19466,7 +19934,7 @@
             <a:endParaRPr lang="en-US" sz="3200" dirty="0"/>
           </a:p>
           <a:p>
-            <a:pPr marL="533067" lvl="2">
+            <a:pPr marL="977567" lvl="3">
               <a:lnSpc>
                 <a:spcPct val="125000"/>
               </a:lnSpc>
@@ -19584,7 +20052,7 @@
             <a:endParaRPr lang="en-US" sz="3000" dirty="0"/>
           </a:p>
           <a:p>
-            <a:pPr marL="533067" lvl="2">
+            <a:pPr marL="977567" lvl="3">
               <a:lnSpc>
                 <a:spcPct val="125000"/>
               </a:lnSpc>
@@ -20535,7 +21003,7 @@
         <p:spPr bwMode="auto">
           <a:xfrm>
             <a:off x="6851819" y="4302303"/>
-            <a:ext cx="3636652" cy="854662"/>
+            <a:ext cx="3636652" cy="982462"/>
           </a:xfrm>
           <a:prstGeom prst="wedgeRoundRectCallout">
             <a:avLst>
@@ -22444,7 +22912,14 @@
             </a:r>
             <a:r>
               <a:rPr lang="bg-BG" sz="3000" dirty="0"/>
-              <a:t> (без файлове и други папки)</a:t>
+              <a:t> </a:t>
+            </a:r>
+            <a:br>
+              <a:rPr lang="en-US" sz="3000" dirty="0"/>
+            </a:br>
+            <a:r>
+              <a:rPr lang="bg-BG" sz="3000" dirty="0"/>
+              <a:t>(без файлове и други папки)</a:t>
             </a:r>
           </a:p>
         </p:txBody>
@@ -22860,8 +23335,8 @@
         </p:nvSpPr>
         <p:spPr bwMode="auto">
           <a:xfrm>
-            <a:off x="6088283" y="3307355"/>
-            <a:ext cx="1925417" cy="1518645"/>
+            <a:off x="6088283" y="3271467"/>
+            <a:ext cx="1925417" cy="1554533"/>
           </a:xfrm>
           <a:prstGeom prst="rect">
             <a:avLst/>

--- a/Courses/Computer-Modeling-and-IT/Computer-Modeling-and-IT-5-Class/04-File-System/04-File-System.pptx
+++ b/Courses/Computer-Modeling-and-IT/Computer-Modeling-and-IT-5-Class/04-File-System/04-File-System.pptx
@@ -307,7 +307,7 @@
           <a:p>
             <a:fld id="{4E087215-0C8F-4762-A664-737A353EC9A4}" type="datetimeFigureOut">
               <a:rPr lang="bg-BG" smtClean="0"/>
-              <a:t>27.02.24 г.</a:t>
+              <a:t>9.12.2024 г.</a:t>
             </a:fld>
             <a:endParaRPr lang="bg-BG"/>
           </a:p>
@@ -503,7 +503,7 @@
           <a:p>
             <a:fld id="{72D84649-876A-46C9-8472-14CB09C070D8}" type="datetimeFigureOut">
               <a:rPr lang="en-US" smtClean="0"/>
-              <a:t>2/27/24</a:t>
+              <a:t>12/9/2024</a:t>
             </a:fld>
             <a:endParaRPr lang="en-US"/>
           </a:p>
@@ -8133,15 +8133,20 @@
           <p:nvPr/>
         </p:nvPicPr>
         <p:blipFill>
-          <a:blip r:embed="rId3"/>
-          <a:stretch>
-            <a:fillRect/>
-          </a:stretch>
+          <a:blip r:embed="rId3">
+            <a:extLst>
+              <a:ext uri="{28A0092B-C50C-407E-A947-70E740481C1C}">
+                <a14:useLocalDpi xmlns:a14="http://schemas.microsoft.com/office/drawing/2010/main" val="0"/>
+              </a:ext>
+            </a:extLst>
+          </a:blip>
+          <a:srcRect/>
+          <a:stretch/>
         </p:blipFill>
         <p:spPr>
           <a:xfrm>
-            <a:off x="5708972" y="1524102"/>
-            <a:ext cx="6216328" cy="4576857"/>
+            <a:off x="5783805" y="1524102"/>
+            <a:ext cx="6066662" cy="4576857"/>
           </a:xfrm>
           <a:prstGeom prst="rect">
             <a:avLst/>
@@ -8316,7 +8321,13 @@
       </p:grpSpPr>
       <p:pic>
         <p:nvPicPr>
-          <p:cNvPr id="6" name="Picture 5"/>
+          <p:cNvPr id="4" name="Picture 3">
+            <a:extLst>
+              <a:ext uri="{FF2B5EF4-FFF2-40B4-BE49-F238E27FC236}">
+                <a16:creationId xmlns:a16="http://schemas.microsoft.com/office/drawing/2014/main" id="{A06CD3C1-2A46-F769-320D-C97BEE74C3E2}"/>
+              </a:ext>
+            </a:extLst>
+          </p:cNvPr>
           <p:cNvPicPr>
             <a:picLocks noChangeAspect="1"/>
           </p:cNvPicPr>
@@ -8324,14 +8335,13 @@
         </p:nvPicPr>
         <p:blipFill>
           <a:blip r:embed="rId2"/>
-          <a:stretch>
-            <a:fillRect/>
-          </a:stretch>
+          <a:srcRect l="23705" t="17874" r="9400" b="11286"/>
+          <a:stretch/>
         </p:blipFill>
         <p:spPr>
           <a:xfrm>
-            <a:off x="942256" y="1142665"/>
-            <a:ext cx="10307488" cy="5563376"/>
+            <a:off x="1901553" y="1142665"/>
+            <a:ext cx="8388895" cy="5552236"/>
           </a:xfrm>
           <a:prstGeom prst="rect">
             <a:avLst/>
@@ -8493,7 +8503,7 @@
         </p:nvSpPr>
         <p:spPr bwMode="auto">
           <a:xfrm>
-            <a:off x="2652981" y="3924353"/>
+            <a:off x="2583582" y="3214528"/>
             <a:ext cx="2799538" cy="1077098"/>
           </a:xfrm>
           <a:prstGeom prst="wedgeRoundRectCallout">
@@ -8666,13 +8676,13 @@
         </p:nvSpPr>
         <p:spPr bwMode="auto">
           <a:xfrm>
-            <a:off x="8981285" y="1225793"/>
+            <a:off x="8968696" y="2724450"/>
             <a:ext cx="2799538" cy="1409099"/>
           </a:xfrm>
           <a:prstGeom prst="wedgeRoundRectCallout">
             <a:avLst>
-              <a:gd name="adj1" fmla="val -35555"/>
-              <a:gd name="adj2" fmla="val 72966"/>
+              <a:gd name="adj1" fmla="val 1003"/>
+              <a:gd name="adj2" fmla="val 91422"/>
               <a:gd name="adj3" fmla="val 16667"/>
             </a:avLst>
           </a:prstGeom>
@@ -8743,8 +8753,8 @@
         </p:nvSpPr>
         <p:spPr bwMode="auto">
           <a:xfrm>
-            <a:off x="8167684" y="3068278"/>
-            <a:ext cx="2824166" cy="2446697"/>
+            <a:off x="7896000" y="4464000"/>
+            <a:ext cx="2205000" cy="2115000"/>
           </a:xfrm>
           <a:prstGeom prst="rect">
             <a:avLst/>
@@ -8752,8 +8762,7 @@
           <a:noFill/>
           <a:ln w="38100">
             <a:solidFill>
-              <a:schemeClr val="tx1">
-                <a:lumMod val="75000"/>
+              <a:schemeClr val="bg1">
                 <a:alpha val="80000"/>
               </a:schemeClr>
             </a:solidFill>
@@ -9236,15 +9245,21 @@
           </p:cNvPicPr>
           <p:nvPr/>
         </p:nvPicPr>
-        <p:blipFill rotWithShape="1">
-          <a:blip r:embed="rId3"/>
-          <a:srcRect r="27990" b="28460"/>
+        <p:blipFill>
+          <a:blip r:embed="rId3">
+            <a:extLst>
+              <a:ext uri="{28A0092B-C50C-407E-A947-70E740481C1C}">
+                <a14:useLocalDpi xmlns:a14="http://schemas.microsoft.com/office/drawing/2010/main" val="0"/>
+              </a:ext>
+            </a:extLst>
+          </a:blip>
+          <a:srcRect l="180" t="322" r="529" b="10667"/>
           <a:stretch/>
         </p:blipFill>
         <p:spPr>
           <a:xfrm>
             <a:off x="4162538" y="1728001"/>
-            <a:ext cx="7839076" cy="4581108"/>
+            <a:ext cx="7783462" cy="4580999"/>
           </a:xfrm>
           <a:prstGeom prst="rect">
             <a:avLst/>
@@ -9293,7 +9308,14 @@
             </a:pPr>
             <a:r>
               <a:rPr lang="bg-BG" sz="3400" dirty="0"/>
-              <a:t>Отваряне</a:t>
+              <a:t>Преместване</a:t>
+            </a:r>
+            <a:br>
+              <a:rPr lang="bg-BG" sz="3400" dirty="0"/>
+            </a:br>
+            <a:r>
+              <a:rPr lang="bg-BG" sz="3400" dirty="0"/>
+              <a:t>(изрязване и поставяне)</a:t>
             </a:r>
           </a:p>
           <a:p>
@@ -9316,24 +9338,6 @@
             <a:r>
               <a:rPr lang="bg-BG" sz="3400" dirty="0"/>
               <a:t>Преименуване</a:t>
-            </a:r>
-          </a:p>
-          <a:p>
-            <a:pPr lvl="1">
-              <a:buClr>
-                <a:schemeClr val="tx1"/>
-              </a:buClr>
-            </a:pPr>
-            <a:r>
-              <a:rPr lang="bg-BG" sz="3400" dirty="0"/>
-              <a:t>Преместване</a:t>
-            </a:r>
-            <a:br>
-              <a:rPr lang="bg-BG" sz="3400" dirty="0"/>
-            </a:br>
-            <a:r>
-              <a:rPr lang="bg-BG" sz="3400" dirty="0"/>
-              <a:t>(изрязване и поставяне)</a:t>
             </a:r>
           </a:p>
           <a:p>
@@ -9388,13 +9392,13 @@
         </p:nvSpPr>
         <p:spPr bwMode="auto">
           <a:xfrm>
-            <a:off x="5960904" y="1263781"/>
+            <a:off x="3837683" y="1382248"/>
             <a:ext cx="2154524" cy="634294"/>
           </a:xfrm>
           <a:prstGeom prst="wedgeRoundRectCallout">
             <a:avLst>
-              <a:gd name="adj1" fmla="val -39254"/>
-              <a:gd name="adj2" fmla="val 122370"/>
+              <a:gd name="adj1" fmla="val 25381"/>
+              <a:gd name="adj2" fmla="val 154112"/>
               <a:gd name="adj3" fmla="val 16667"/>
             </a:avLst>
           </a:prstGeom>
@@ -9465,13 +9469,13 @@
         </p:nvSpPr>
         <p:spPr bwMode="auto">
           <a:xfrm>
-            <a:off x="3537814" y="1304494"/>
+            <a:off x="6096000" y="1322663"/>
             <a:ext cx="2154524" cy="634294"/>
           </a:xfrm>
           <a:prstGeom prst="wedgeRoundRectCallout">
             <a:avLst>
-              <a:gd name="adj1" fmla="val 23493"/>
-              <a:gd name="adj2" fmla="val 112431"/>
+              <a:gd name="adj1" fmla="val -48929"/>
+              <a:gd name="adj2" fmla="val 171947"/>
               <a:gd name="adj3" fmla="val 16667"/>
             </a:avLst>
           </a:prstGeom>
@@ -9542,13 +9546,13 @@
         </p:nvSpPr>
         <p:spPr bwMode="auto">
           <a:xfrm>
-            <a:off x="8404779" y="1322767"/>
+            <a:off x="4589916" y="3468892"/>
             <a:ext cx="2583346" cy="634294"/>
           </a:xfrm>
           <a:prstGeom prst="wedgeRoundRectCallout">
             <a:avLst>
-              <a:gd name="adj1" fmla="val -34176"/>
-              <a:gd name="adj2" fmla="val 109042"/>
+              <a:gd name="adj1" fmla="val 38889"/>
+              <a:gd name="adj2" fmla="val -99924"/>
               <a:gd name="adj3" fmla="val 16667"/>
             </a:avLst>
           </a:prstGeom>
@@ -9619,13 +9623,13 @@
         </p:nvSpPr>
         <p:spPr bwMode="auto">
           <a:xfrm>
-            <a:off x="5983107" y="3384000"/>
+            <a:off x="8526000" y="2683559"/>
             <a:ext cx="2154524" cy="634294"/>
           </a:xfrm>
           <a:prstGeom prst="wedgeRoundRectCallout">
             <a:avLst>
-              <a:gd name="adj1" fmla="val 44629"/>
-              <a:gd name="adj2" fmla="val -114918"/>
+              <a:gd name="adj1" fmla="val -67508"/>
+              <a:gd name="adj2" fmla="val -11757"/>
               <a:gd name="adj3" fmla="val 16667"/>
             </a:avLst>
           </a:prstGeom>
@@ -9684,83 +9688,6 @@
                 </a:effectLst>
               </a:rPr>
               <a:t>Изтриване</a:t>
-            </a:r>
-          </a:p>
-        </p:txBody>
-      </p:sp>
-      <p:sp>
-        <p:nvSpPr>
-          <p:cNvPr id="18" name="Закръглено правоъгълно изнесено означение 14"/>
-          <p:cNvSpPr/>
-          <p:nvPr/>
-        </p:nvSpPr>
-        <p:spPr bwMode="auto">
-          <a:xfrm>
-            <a:off x="8762680" y="3339000"/>
-            <a:ext cx="2154524" cy="634294"/>
-          </a:xfrm>
-          <a:prstGeom prst="wedgeRoundRectCallout">
-            <a:avLst>
-              <a:gd name="adj1" fmla="val 62449"/>
-              <a:gd name="adj2" fmla="val -180370"/>
-              <a:gd name="adj3" fmla="val 16667"/>
-            </a:avLst>
-          </a:prstGeom>
-          <a:solidFill>
-            <a:schemeClr val="dk2">
-              <a:alpha val="80000"/>
-            </a:schemeClr>
-          </a:solidFill>
-          <a:ln w="19050">
-            <a:solidFill>
-              <a:schemeClr val="tx1">
-                <a:lumMod val="75000"/>
-                <a:alpha val="80000"/>
-              </a:schemeClr>
-            </a:solidFill>
-          </a:ln>
-          <a:effectLst/>
-        </p:spPr>
-        <p:style>
-          <a:lnRef idx="2">
-            <a:schemeClr val="accent1">
-              <a:shade val="50000"/>
-            </a:schemeClr>
-          </a:lnRef>
-          <a:fillRef idx="1001">
-            <a:schemeClr val="dk2"/>
-          </a:fillRef>
-          <a:effectRef idx="0">
-            <a:schemeClr val="accent1"/>
-          </a:effectRef>
-          <a:fontRef idx="minor">
-            <a:schemeClr val="lt1"/>
-          </a:fontRef>
-        </p:style>
-        <p:txBody>
-          <a:bodyPr rot="0" spcFirstLastPara="0" vertOverflow="overflow" horzOverflow="overflow" vert="horz" wrap="square" lIns="91440" tIns="45720" rIns="91440" bIns="45720" numCol="1" spcCol="0" rtlCol="0" fromWordArt="0" anchor="ctr" anchorCtr="0" forceAA="0" compatLnSpc="1">
-            <a:prstTxWarp prst="textNoShape">
-              <a:avLst/>
-            </a:prstTxWarp>
-            <a:noAutofit/>
-          </a:bodyPr>
-          <a:lstStyle/>
-          <a:p>
-            <a:pPr algn="ctr"/>
-            <a:r>
-              <a:rPr lang="bg-BG" sz="2800" b="1" dirty="0">
-                <a:solidFill>
-                  <a:srgbClr val="FFFFFF"/>
-                </a:solidFill>
-                <a:effectLst>
-                  <a:outerShdw blurRad="38100" dist="38100" dir="2700000" algn="tl">
-                    <a:srgbClr val="000000">
-                      <a:alpha val="43137"/>
-                    </a:srgbClr>
-                  </a:outerShdw>
-                </a:effectLst>
-              </a:rPr>
-              <a:t>Отваряне</a:t>
             </a:r>
           </a:p>
         </p:txBody>
@@ -9859,38 +9786,7 @@
                                           </p:stCondLst>
                                         </p:cTn>
                                         <p:tgtEl>
-                                          <p:spTgt spid="6">
-                                            <p:txEl>
-                                              <p:pRg st="0" end="0"/>
-                                            </p:txEl>
-                                          </p:spTgt>
-                                        </p:tgtEl>
-                                        <p:attrNameLst>
-                                          <p:attrName>style.visibility</p:attrName>
-                                        </p:attrNameLst>
-                                      </p:cBhvr>
-                                      <p:to>
-                                        <p:strVal val="visible"/>
-                                      </p:to>
-                                    </p:set>
-                                  </p:childTnLst>
-                                </p:cTn>
-                              </p:par>
-                              <p:par>
-                                <p:cTn id="7" presetID="1" presetClass="entr" presetSubtype="0" fill="hold" grpId="0" nodeType="withEffect">
-                                  <p:stCondLst>
-                                    <p:cond delay="0"/>
-                                  </p:stCondLst>
-                                  <p:childTnLst>
-                                    <p:set>
-                                      <p:cBhvr>
-                                        <p:cTn id="8" dur="1" fill="hold">
-                                          <p:stCondLst>
-                                            <p:cond delay="0"/>
-                                          </p:stCondLst>
-                                        </p:cTn>
-                                        <p:tgtEl>
-                                          <p:spTgt spid="18"/>
+                                          <p:spTgt spid="12"/>
                                         </p:tgtEl>
                                         <p:attrNameLst>
                                           <p:attrName>style.visibility</p:attrName>
@@ -9910,26 +9806,26 @@
                     </p:cTn>
                   </p:par>
                   <p:par>
-                    <p:cTn id="9" fill="hold">
+                    <p:cTn id="7" fill="hold">
                       <p:stCondLst>
                         <p:cond delay="indefinite"/>
                       </p:stCondLst>
                       <p:childTnLst>
                         <p:par>
-                          <p:cTn id="10" fill="hold">
+                          <p:cTn id="8" fill="hold">
                             <p:stCondLst>
                               <p:cond delay="0"/>
                             </p:stCondLst>
                             <p:childTnLst>
                               <p:par>
-                                <p:cTn id="11" presetID="1" presetClass="entr" presetSubtype="0" fill="hold" grpId="0" nodeType="clickEffect">
+                                <p:cTn id="9" presetID="1" presetClass="entr" presetSubtype="0" fill="hold" nodeType="clickEffect">
                                   <p:stCondLst>
                                     <p:cond delay="0"/>
                                   </p:stCondLst>
                                   <p:childTnLst>
                                     <p:set>
                                       <p:cBhvr>
-                                        <p:cTn id="12" dur="1" fill="hold">
+                                        <p:cTn id="10" dur="1" fill="hold">
                                           <p:stCondLst>
                                             <p:cond delay="0"/>
                                           </p:stCondLst>
@@ -9953,14 +9849,14 @@
                                 </p:cTn>
                               </p:par>
                               <p:par>
-                                <p:cTn id="13" presetID="1" presetClass="entr" presetSubtype="0" fill="hold" grpId="0" nodeType="withEffect">
+                                <p:cTn id="11" presetID="1" presetClass="entr" presetSubtype="0" fill="hold" grpId="0" nodeType="withEffect">
                                   <p:stCondLst>
                                     <p:cond delay="0"/>
                                   </p:stCondLst>
                                   <p:childTnLst>
                                     <p:set>
                                       <p:cBhvr>
-                                        <p:cTn id="14" dur="1" fill="hold">
+                                        <p:cTn id="12" dur="1" fill="hold">
                                           <p:stCondLst>
                                             <p:cond delay="0"/>
                                           </p:stCondLst>
@@ -9986,26 +9882,26 @@
                     </p:cTn>
                   </p:par>
                   <p:par>
-                    <p:cTn id="15" fill="hold">
+                    <p:cTn id="13" fill="hold">
                       <p:stCondLst>
                         <p:cond delay="indefinite"/>
                       </p:stCondLst>
                       <p:childTnLst>
                         <p:par>
-                          <p:cTn id="16" fill="hold">
+                          <p:cTn id="14" fill="hold">
                             <p:stCondLst>
                               <p:cond delay="0"/>
                             </p:stCondLst>
                             <p:childTnLst>
                               <p:par>
-                                <p:cTn id="17" presetID="1" presetClass="entr" presetSubtype="0" fill="hold" grpId="0" nodeType="clickEffect">
+                                <p:cTn id="15" presetID="1" presetClass="entr" presetSubtype="0" fill="hold" nodeType="clickEffect">
                                   <p:stCondLst>
                                     <p:cond delay="0"/>
                                   </p:stCondLst>
                                   <p:childTnLst>
                                     <p:set>
                                       <p:cBhvr>
-                                        <p:cTn id="18" dur="1" fill="hold">
+                                        <p:cTn id="16" dur="1" fill="hold">
                                           <p:stCondLst>
                                             <p:cond delay="0"/>
                                           </p:stCondLst>
@@ -10029,14 +9925,14 @@
                                 </p:cTn>
                               </p:par>
                               <p:par>
-                                <p:cTn id="19" presetID="1" presetClass="entr" presetSubtype="0" fill="hold" grpId="0" nodeType="withEffect">
+                                <p:cTn id="17" presetID="1" presetClass="entr" presetSubtype="0" fill="hold" grpId="0" nodeType="withEffect">
                                   <p:stCondLst>
                                     <p:cond delay="0"/>
                                   </p:stCondLst>
                                   <p:childTnLst>
                                     <p:set>
                                       <p:cBhvr>
-                                        <p:cTn id="20" dur="1" fill="hold">
+                                        <p:cTn id="18" dur="1" fill="hold">
                                           <p:stCondLst>
                                             <p:cond delay="0"/>
                                           </p:stCondLst>
@@ -10062,26 +9958,26 @@
                     </p:cTn>
                   </p:par>
                   <p:par>
-                    <p:cTn id="21" fill="hold">
+                    <p:cTn id="19" fill="hold">
                       <p:stCondLst>
                         <p:cond delay="indefinite"/>
                       </p:stCondLst>
                       <p:childTnLst>
                         <p:par>
-                          <p:cTn id="22" fill="hold">
+                          <p:cTn id="20" fill="hold">
                             <p:stCondLst>
                               <p:cond delay="0"/>
                             </p:stCondLst>
                             <p:childTnLst>
                               <p:par>
-                                <p:cTn id="23" presetID="1" presetClass="entr" presetSubtype="0" fill="hold" grpId="0" nodeType="clickEffect">
+                                <p:cTn id="21" presetID="1" presetClass="entr" presetSubtype="0" fill="hold" nodeType="clickEffect">
                                   <p:stCondLst>
                                     <p:cond delay="0"/>
                                   </p:stCondLst>
                                   <p:childTnLst>
                                     <p:set>
                                       <p:cBhvr>
-                                        <p:cTn id="24" dur="1" fill="hold">
+                                        <p:cTn id="22" dur="1" fill="hold">
                                           <p:stCondLst>
                                             <p:cond delay="0"/>
                                           </p:stCondLst>
@@ -10105,90 +10001,14 @@
                                 </p:cTn>
                               </p:par>
                               <p:par>
-                                <p:cTn id="25" presetID="1" presetClass="entr" presetSubtype="0" fill="hold" grpId="0" nodeType="withEffect">
+                                <p:cTn id="23" presetID="1" presetClass="entr" presetSubtype="0" fill="hold" grpId="0" nodeType="withEffect">
                                   <p:stCondLst>
                                     <p:cond delay="0"/>
                                   </p:stCondLst>
                                   <p:childTnLst>
                                     <p:set>
                                       <p:cBhvr>
-                                        <p:cTn id="26" dur="1" fill="hold">
-                                          <p:stCondLst>
-                                            <p:cond delay="0"/>
-                                          </p:stCondLst>
-                                        </p:cTn>
-                                        <p:tgtEl>
-                                          <p:spTgt spid="12"/>
-                                        </p:tgtEl>
-                                        <p:attrNameLst>
-                                          <p:attrName>style.visibility</p:attrName>
-                                        </p:attrNameLst>
-                                      </p:cBhvr>
-                                      <p:to>
-                                        <p:strVal val="visible"/>
-                                      </p:to>
-                                    </p:set>
-                                  </p:childTnLst>
-                                </p:cTn>
-                              </p:par>
-                            </p:childTnLst>
-                          </p:cTn>
-                        </p:par>
-                      </p:childTnLst>
-                    </p:cTn>
-                  </p:par>
-                  <p:par>
-                    <p:cTn id="27" fill="hold">
-                      <p:stCondLst>
-                        <p:cond delay="indefinite"/>
-                      </p:stCondLst>
-                      <p:childTnLst>
-                        <p:par>
-                          <p:cTn id="28" fill="hold">
-                            <p:stCondLst>
-                              <p:cond delay="0"/>
-                            </p:stCondLst>
-                            <p:childTnLst>
-                              <p:par>
-                                <p:cTn id="29" presetID="1" presetClass="entr" presetSubtype="0" fill="hold" grpId="0" nodeType="clickEffect">
-                                  <p:stCondLst>
-                                    <p:cond delay="0"/>
-                                  </p:stCondLst>
-                                  <p:childTnLst>
-                                    <p:set>
-                                      <p:cBhvr>
-                                        <p:cTn id="30" dur="1" fill="hold">
-                                          <p:stCondLst>
-                                            <p:cond delay="0"/>
-                                          </p:stCondLst>
-                                        </p:cTn>
-                                        <p:tgtEl>
-                                          <p:spTgt spid="6">
-                                            <p:txEl>
-                                              <p:pRg st="4" end="4"/>
-                                            </p:txEl>
-                                          </p:spTgt>
-                                        </p:tgtEl>
-                                        <p:attrNameLst>
-                                          <p:attrName>style.visibility</p:attrName>
-                                        </p:attrNameLst>
-                                      </p:cBhvr>
-                                      <p:to>
-                                        <p:strVal val="visible"/>
-                                      </p:to>
-                                    </p:set>
-                                  </p:childTnLst>
-                                </p:cTn>
-                              </p:par>
-                              <p:par>
-                                <p:cTn id="31" presetID="1" presetClass="entr" presetSubtype="0" fill="hold" grpId="0" nodeType="withEffect">
-                                  <p:stCondLst>
-                                    <p:cond delay="0"/>
-                                  </p:stCondLst>
-                                  <p:childTnLst>
-                                    <p:set>
-                                      <p:cBhvr>
-                                        <p:cTn id="32" dur="1" fill="hold">
+                                        <p:cTn id="24" dur="1" fill="hold">
                                           <p:stCondLst>
                                             <p:cond delay="0"/>
                                           </p:stCondLst>
@@ -10235,12 +10055,10 @@
       </p:par>
     </p:tnLst>
     <p:bldLst>
-      <p:bldP spid="6" grpId="0" uiExpand="1" build="p"/>
-      <p:bldP spid="12" grpId="0" uiExpand="1" animBg="1"/>
-      <p:bldP spid="13" grpId="0" uiExpand="1" animBg="1"/>
-      <p:bldP spid="14" grpId="0" uiExpand="1" animBg="1"/>
-      <p:bldP spid="15" grpId="0" uiExpand="1" animBg="1"/>
-      <p:bldP spid="18" grpId="0" uiExpand="1" animBg="1"/>
+      <p:bldP spid="12" grpId="0" animBg="1"/>
+      <p:bldP spid="13" grpId="0" animBg="1"/>
+      <p:bldP spid="14" grpId="0" animBg="1"/>
+      <p:bldP spid="15" grpId="0" animBg="1"/>
     </p:bldLst>
   </p:timing>
 </p:sld>
@@ -10811,15 +10629,21 @@
           </p:cNvPicPr>
           <p:nvPr/>
         </p:nvPicPr>
-        <p:blipFill rotWithShape="1">
-          <a:blip r:embed="rId2"/>
-          <a:srcRect r="8406" b="21292"/>
+        <p:blipFill>
+          <a:blip r:embed="rId2">
+            <a:extLst>
+              <a:ext uri="{28A0092B-C50C-407E-A947-70E740481C1C}">
+                <a14:useLocalDpi xmlns:a14="http://schemas.microsoft.com/office/drawing/2010/main" val="0"/>
+              </a:ext>
+            </a:extLst>
+          </a:blip>
+          <a:srcRect l="560" t="735" r="560" b="22271"/>
           <a:stretch/>
         </p:blipFill>
         <p:spPr>
           <a:xfrm>
-            <a:off x="1180920" y="1406433"/>
-            <a:ext cx="9830160" cy="4968967"/>
+            <a:off x="1236000" y="1406433"/>
+            <a:ext cx="9720000" cy="4968967"/>
           </a:xfrm>
           <a:prstGeom prst="rect">
             <a:avLst/>
@@ -10865,13 +10689,13 @@
         </p:nvSpPr>
         <p:spPr bwMode="auto">
           <a:xfrm>
-            <a:off x="2655074" y="1813541"/>
-            <a:ext cx="2670629" cy="971491"/>
+            <a:off x="8031000" y="5184000"/>
+            <a:ext cx="2523144" cy="949863"/>
           </a:xfrm>
           <a:prstGeom prst="wedgeRoundRectCallout">
             <a:avLst>
-              <a:gd name="adj1" fmla="val 74996"/>
-              <a:gd name="adj2" fmla="val 129807"/>
+              <a:gd name="adj1" fmla="val -65940"/>
+              <a:gd name="adj2" fmla="val -99677"/>
               <a:gd name="adj3" fmla="val 16667"/>
             </a:avLst>
           </a:prstGeom>
@@ -10932,12 +10756,12 @@
                   </a:outerShdw>
                 </a:effectLst>
               </a:rPr>
-              <a:t>Десен клик</a:t>
+              <a:t>Кликваме </a:t>
             </a:r>
             <a:r>
               <a:rPr lang="bg-BG" sz="2800" b="1" dirty="0">
                 <a:solidFill>
-                  <a:srgbClr val="FFFFFF"/>
+                  <a:schemeClr val="bg2"/>
                 </a:solidFill>
                 <a:effectLst>
                   <a:outerShdw blurRad="38100" dist="38100" dir="2700000" algn="tl">
@@ -10947,7 +10771,40 @@
                   </a:outerShdw>
                 </a:effectLst>
               </a:rPr>
-              <a:t> върху файла</a:t>
+              <a:t>върху</a:t>
+            </a:r>
+            <a:r>
+              <a:rPr lang="bg-BG" sz="2800" b="1" dirty="0">
+                <a:solidFill>
+                  <a:schemeClr val="bg1">
+                    <a:lumMod val="60000"/>
+                    <a:lumOff val="40000"/>
+                  </a:schemeClr>
+                </a:solidFill>
+                <a:effectLst>
+                  <a:outerShdw blurRad="38100" dist="38100" dir="2700000" algn="tl">
+                    <a:srgbClr val="000000">
+                      <a:alpha val="43137"/>
+                    </a:srgbClr>
+                  </a:outerShdw>
+                </a:effectLst>
+              </a:rPr>
+              <a:t> </a:t>
+            </a:r>
+            <a:r>
+              <a:rPr lang="bg-BG" sz="2800" b="1" dirty="0">
+                <a:solidFill>
+                  <a:srgbClr val="FFFFFF"/>
+                </a:solidFill>
+                <a:effectLst>
+                  <a:outerShdw blurRad="38100" dist="38100" dir="2700000" algn="tl">
+                    <a:srgbClr val="000000">
+                      <a:alpha val="43137"/>
+                    </a:srgbClr>
+                  </a:outerShdw>
+                </a:effectLst>
+              </a:rPr>
+              <a:t>файла</a:t>
             </a:r>
           </a:p>
         </p:txBody>
@@ -10960,13 +10817,13 @@
         </p:nvSpPr>
         <p:spPr bwMode="auto">
           <a:xfrm>
-            <a:off x="4002913" y="3890916"/>
+            <a:off x="4281938" y="1943279"/>
             <a:ext cx="2989943" cy="1134316"/>
           </a:xfrm>
           <a:prstGeom prst="wedgeRoundRectCallout">
             <a:avLst>
-              <a:gd name="adj1" fmla="val 66658"/>
-              <a:gd name="adj2" fmla="val -73773"/>
+              <a:gd name="adj1" fmla="val -63086"/>
+              <a:gd name="adj2" fmla="val 31268"/>
               <a:gd name="adj3" fmla="val 16667"/>
             </a:avLst>
           </a:prstGeom>
@@ -11079,13 +10936,13 @@
         </p:nvSpPr>
         <p:spPr bwMode="auto">
           <a:xfrm>
-            <a:off x="6415091" y="1258024"/>
+            <a:off x="1491619" y="3917801"/>
             <a:ext cx="4285290" cy="1535987"/>
           </a:xfrm>
           <a:prstGeom prst="wedgeRoundRectCallout">
             <a:avLst>
-              <a:gd name="adj1" fmla="val 2798"/>
-              <a:gd name="adj2" fmla="val 78319"/>
+              <a:gd name="adj1" fmla="val -16816"/>
+              <a:gd name="adj2" fmla="val -92459"/>
               <a:gd name="adj3" fmla="val 16667"/>
             </a:avLst>
           </a:prstGeom>
@@ -11219,8 +11076,8 @@
         </p:nvSpPr>
         <p:spPr bwMode="auto">
           <a:xfrm>
-            <a:off x="7622847" y="3135172"/>
-            <a:ext cx="934889" cy="281893"/>
+            <a:off x="2496000" y="2558831"/>
+            <a:ext cx="630000" cy="600169"/>
           </a:xfrm>
           <a:prstGeom prst="rect">
             <a:avLst/>
@@ -11285,8 +11142,8 @@
         </p:nvSpPr>
         <p:spPr bwMode="auto">
           <a:xfrm>
-            <a:off x="7622848" y="3417065"/>
-            <a:ext cx="934889" cy="281894"/>
+            <a:off x="3126000" y="2558831"/>
+            <a:ext cx="630001" cy="600169"/>
           </a:xfrm>
           <a:prstGeom prst="rect">
             <a:avLst/>
@@ -11658,15 +11515,20 @@
           <p:nvPr/>
         </p:nvPicPr>
         <p:blipFill>
-          <a:blip r:embed="rId2"/>
-          <a:stretch>
-            <a:fillRect/>
-          </a:stretch>
+          <a:blip r:embed="rId2">
+            <a:extLst>
+              <a:ext uri="{28A0092B-C50C-407E-A947-70E740481C1C}">
+                <a14:useLocalDpi xmlns:a14="http://schemas.microsoft.com/office/drawing/2010/main" val="0"/>
+              </a:ext>
+            </a:extLst>
+          </a:blip>
+          <a:srcRect/>
+          <a:stretch/>
         </p:blipFill>
         <p:spPr>
           <a:xfrm>
-            <a:off x="1514143" y="1356405"/>
-            <a:ext cx="9163715" cy="5390421"/>
+            <a:off x="1990701" y="1278770"/>
+            <a:ext cx="8210574" cy="5390421"/>
           </a:xfrm>
           <a:prstGeom prst="rect">
             <a:avLst/>
@@ -11736,13 +11598,13 @@
         </p:nvSpPr>
         <p:spPr bwMode="auto">
           <a:xfrm>
-            <a:off x="4071000" y="5049000"/>
+            <a:off x="7896000" y="1710166"/>
             <a:ext cx="3463725" cy="1163648"/>
           </a:xfrm>
           <a:prstGeom prst="wedgeRoundRectCallout">
             <a:avLst>
-              <a:gd name="adj1" fmla="val -67977"/>
-              <a:gd name="adj2" fmla="val 31962"/>
+              <a:gd name="adj1" fmla="val -88776"/>
+              <a:gd name="adj2" fmla="val -19631"/>
               <a:gd name="adj3" fmla="val 16667"/>
             </a:avLst>
           </a:prstGeom>
@@ -11846,13 +11708,13 @@
         </p:nvSpPr>
         <p:spPr bwMode="auto">
           <a:xfrm>
-            <a:off x="3362688" y="2886341"/>
+            <a:off x="2271000" y="3099180"/>
             <a:ext cx="2428877" cy="659619"/>
           </a:xfrm>
           <a:prstGeom prst="wedgeRoundRectCallout">
             <a:avLst>
-              <a:gd name="adj1" fmla="val -73316"/>
-              <a:gd name="adj2" fmla="val -119728"/>
+              <a:gd name="adj1" fmla="val 34302"/>
+              <a:gd name="adj2" fmla="val -109926"/>
               <a:gd name="adj3" fmla="val 16667"/>
             </a:avLst>
           </a:prstGeom>
@@ -12119,6 +11981,42 @@
           <a:chExt cx="0" cy="0"/>
         </a:xfrm>
       </p:grpSpPr>
+      <p:pic>
+        <p:nvPicPr>
+          <p:cNvPr id="3" name="Picture 2"/>
+          <p:cNvPicPr>
+            <a:picLocks noChangeAspect="1"/>
+          </p:cNvPicPr>
+          <p:nvPr/>
+        </p:nvPicPr>
+        <p:blipFill>
+          <a:blip r:embed="rId2">
+            <a:extLst>
+              <a:ext uri="{28A0092B-C50C-407E-A947-70E740481C1C}">
+                <a14:useLocalDpi xmlns:a14="http://schemas.microsoft.com/office/drawing/2010/main" val="0"/>
+              </a:ext>
+            </a:extLst>
+          </a:blip>
+          <a:srcRect/>
+          <a:stretch/>
+        </p:blipFill>
+        <p:spPr>
+          <a:xfrm>
+            <a:off x="1990701" y="1278769"/>
+            <a:ext cx="8210574" cy="5390421"/>
+          </a:xfrm>
+          <a:prstGeom prst="rect">
+            <a:avLst/>
+          </a:prstGeom>
+          <a:ln>
+            <a:solidFill>
+              <a:schemeClr val="bg2">
+                <a:lumMod val="75000"/>
+              </a:schemeClr>
+            </a:solidFill>
+          </a:ln>
+        </p:spPr>
+      </p:pic>
       <p:sp>
         <p:nvSpPr>
           <p:cNvPr id="6" name="Заглавие 5"/>
@@ -12152,7 +12050,7 @@
           <p:nvPr/>
         </p:nvPicPr>
         <p:blipFill>
-          <a:blip r:embed="rId2"/>
+          <a:blip r:embed="rId3"/>
           <a:stretch>
             <a:fillRect/>
           </a:stretch>
@@ -12167,37 +12065,6 @@
           </a:prstGeom>
         </p:spPr>
       </p:pic>
-      <p:pic>
-        <p:nvPicPr>
-          <p:cNvPr id="7" name="Picture 6"/>
-          <p:cNvPicPr>
-            <a:picLocks noChangeAspect="1"/>
-          </p:cNvPicPr>
-          <p:nvPr/>
-        </p:nvPicPr>
-        <p:blipFill>
-          <a:blip r:embed="rId3"/>
-          <a:stretch>
-            <a:fillRect/>
-          </a:stretch>
-        </p:blipFill>
-        <p:spPr>
-          <a:xfrm>
-            <a:off x="1514143" y="1356405"/>
-            <a:ext cx="9163715" cy="5390421"/>
-          </a:xfrm>
-          <a:prstGeom prst="rect">
-            <a:avLst/>
-          </a:prstGeom>
-          <a:ln>
-            <a:solidFill>
-              <a:schemeClr val="bg2">
-                <a:lumMod val="75000"/>
-              </a:schemeClr>
-            </a:solidFill>
-          </a:ln>
-        </p:spPr>
-      </p:pic>
       <p:sp>
         <p:nvSpPr>
           <p:cNvPr id="15" name="Закръглено правоъгълно изнесено означение 14"/>
@@ -12206,7 +12073,7 @@
         </p:nvSpPr>
         <p:spPr bwMode="auto">
           <a:xfrm>
-            <a:off x="6372226" y="4786315"/>
+            <a:off x="6996000" y="4644000"/>
             <a:ext cx="4533900" cy="1243010"/>
           </a:xfrm>
           <a:prstGeom prst="wedgeRoundRectCallout">
@@ -12478,22 +12345,27 @@
       </p:grpSpPr>
       <p:pic>
         <p:nvPicPr>
-          <p:cNvPr id="3" name="Picture 2"/>
+          <p:cNvPr id="2" name="Picture 1"/>
           <p:cNvPicPr>
             <a:picLocks noChangeAspect="1"/>
           </p:cNvPicPr>
           <p:nvPr/>
         </p:nvPicPr>
         <p:blipFill>
-          <a:blip r:embed="rId2"/>
-          <a:stretch>
-            <a:fillRect/>
-          </a:stretch>
+          <a:blip r:embed="rId2">
+            <a:extLst>
+              <a:ext uri="{28A0092B-C50C-407E-A947-70E740481C1C}">
+                <a14:useLocalDpi xmlns:a14="http://schemas.microsoft.com/office/drawing/2010/main" val="0"/>
+              </a:ext>
+            </a:extLst>
+          </a:blip>
+          <a:srcRect/>
+          <a:stretch/>
         </p:blipFill>
         <p:spPr>
           <a:xfrm>
-            <a:off x="1514143" y="1323581"/>
-            <a:ext cx="9163715" cy="5423245"/>
+            <a:off x="1990701" y="1278769"/>
+            <a:ext cx="8260571" cy="5423245"/>
           </a:xfrm>
           <a:prstGeom prst="rect">
             <a:avLst/>
@@ -12563,13 +12435,13 @@
         </p:nvSpPr>
         <p:spPr bwMode="auto">
           <a:xfrm>
-            <a:off x="6095988" y="5312602"/>
+            <a:off x="7356000" y="5360679"/>
             <a:ext cx="3463725" cy="1163648"/>
           </a:xfrm>
           <a:prstGeom prst="wedgeRoundRectCallout">
             <a:avLst>
-              <a:gd name="adj1" fmla="val -63570"/>
-              <a:gd name="adj2" fmla="val -81944"/>
+              <a:gd name="adj1" fmla="val -42504"/>
+              <a:gd name="adj2" fmla="val -85119"/>
               <a:gd name="adj3" fmla="val 16667"/>
             </a:avLst>
           </a:prstGeom>
@@ -12658,13 +12530,13 @@
         </p:nvSpPr>
         <p:spPr bwMode="auto">
           <a:xfrm>
-            <a:off x="876000" y="2772260"/>
+            <a:off x="1191000" y="3358919"/>
             <a:ext cx="4213545" cy="1262943"/>
           </a:xfrm>
           <a:prstGeom prst="wedgeRoundRectCallout">
             <a:avLst>
-              <a:gd name="adj1" fmla="val 50500"/>
-              <a:gd name="adj2" fmla="val -83189"/>
+              <a:gd name="adj1" fmla="val 38224"/>
+              <a:gd name="adj2" fmla="val -97084"/>
               <a:gd name="adj3" fmla="val 16667"/>
             </a:avLst>
           </a:prstGeom>
@@ -13029,22 +12901,27 @@
       </p:grpSpPr>
       <p:pic>
         <p:nvPicPr>
-          <p:cNvPr id="9" name="Picture 8"/>
+          <p:cNvPr id="2" name="Picture 1"/>
           <p:cNvPicPr>
             <a:picLocks noChangeAspect="1"/>
           </p:cNvPicPr>
           <p:nvPr/>
         </p:nvPicPr>
         <p:blipFill>
-          <a:blip r:embed="rId2"/>
-          <a:stretch>
-            <a:fillRect/>
-          </a:stretch>
+          <a:blip r:embed="rId2">
+            <a:extLst>
+              <a:ext uri="{28A0092B-C50C-407E-A947-70E740481C1C}">
+                <a14:useLocalDpi xmlns:a14="http://schemas.microsoft.com/office/drawing/2010/main" val="0"/>
+              </a:ext>
+            </a:extLst>
+          </a:blip>
+          <a:srcRect/>
+          <a:stretch/>
         </p:blipFill>
         <p:spPr>
           <a:xfrm>
-            <a:off x="1514143" y="1323581"/>
-            <a:ext cx="9163715" cy="5423245"/>
+            <a:off x="1990700" y="1278767"/>
+            <a:ext cx="8260571" cy="5423245"/>
           </a:xfrm>
           <a:prstGeom prst="rect">
             <a:avLst/>
@@ -13114,13 +12991,13 @@
         </p:nvSpPr>
         <p:spPr bwMode="auto">
           <a:xfrm>
-            <a:off x="5961000" y="4689020"/>
+            <a:off x="2631000" y="5022100"/>
             <a:ext cx="3869856" cy="1484900"/>
           </a:xfrm>
           <a:prstGeom prst="wedgeRoundRectCallout">
             <a:avLst>
-              <a:gd name="adj1" fmla="val -79699"/>
-              <a:gd name="adj2" fmla="val 47245"/>
+              <a:gd name="adj1" fmla="val 65176"/>
+              <a:gd name="adj2" fmla="val -56632"/>
               <a:gd name="adj3" fmla="val 16667"/>
             </a:avLst>
           </a:prstGeom>
@@ -13949,15 +13826,21 @@
           </p:cNvPicPr>
           <p:nvPr/>
         </p:nvPicPr>
-        <p:blipFill rotWithShape="1">
-          <a:blip r:embed="rId2"/>
-          <a:srcRect b="11836"/>
+        <p:blipFill>
+          <a:blip r:embed="rId2">
+            <a:extLst>
+              <a:ext uri="{28A0092B-C50C-407E-A947-70E740481C1C}">
+                <a14:useLocalDpi xmlns:a14="http://schemas.microsoft.com/office/drawing/2010/main" val="0"/>
+              </a:ext>
+            </a:extLst>
+          </a:blip>
+          <a:srcRect t="649" b="1830"/>
           <a:stretch/>
         </p:blipFill>
         <p:spPr>
           <a:xfrm>
-            <a:off x="4800600" y="1864478"/>
-            <a:ext cx="7166294" cy="4532713"/>
+            <a:off x="4800600" y="1809000"/>
+            <a:ext cx="7166294" cy="4588191"/>
           </a:xfrm>
           <a:prstGeom prst="rect">
             <a:avLst/>
@@ -14092,13 +13975,13 @@
         </p:nvSpPr>
         <p:spPr bwMode="auto">
           <a:xfrm>
-            <a:off x="6284525" y="5319000"/>
+            <a:off x="6186000" y="5359126"/>
             <a:ext cx="3611753" cy="1057839"/>
           </a:xfrm>
           <a:prstGeom prst="wedgeRoundRectCallout">
             <a:avLst>
-              <a:gd name="adj1" fmla="val 36405"/>
-              <a:gd name="adj2" fmla="val -70718"/>
+              <a:gd name="adj1" fmla="val 47041"/>
+              <a:gd name="adj2" fmla="val -77423"/>
               <a:gd name="adj3" fmla="val 16667"/>
             </a:avLst>
           </a:prstGeom>
@@ -14169,13 +14052,13 @@
         </p:nvSpPr>
         <p:spPr bwMode="auto">
           <a:xfrm>
-            <a:off x="8706000" y="1179000"/>
+            <a:off x="8526000" y="1313032"/>
             <a:ext cx="2967551" cy="1102891"/>
           </a:xfrm>
           <a:prstGeom prst="wedgeRoundRectCallout">
             <a:avLst>
-              <a:gd name="adj1" fmla="val -71253"/>
-              <a:gd name="adj2" fmla="val 58608"/>
+              <a:gd name="adj1" fmla="val -50711"/>
+              <a:gd name="adj2" fmla="val 80382"/>
               <a:gd name="adj3" fmla="val 16667"/>
             </a:avLst>
           </a:prstGeom>
@@ -14560,15 +14443,20 @@
           <p:nvPr/>
         </p:nvPicPr>
         <p:blipFill>
-          <a:blip r:embed="rId2"/>
-          <a:stretch>
-            <a:fillRect/>
-          </a:stretch>
+          <a:blip r:embed="rId2">
+            <a:extLst>
+              <a:ext uri="{28A0092B-C50C-407E-A947-70E740481C1C}">
+                <a14:useLocalDpi xmlns:a14="http://schemas.microsoft.com/office/drawing/2010/main" val="0"/>
+              </a:ext>
+            </a:extLst>
+          </a:blip>
+          <a:srcRect/>
+          <a:stretch/>
         </p:blipFill>
         <p:spPr>
           <a:xfrm>
-            <a:off x="2338387" y="1285468"/>
-            <a:ext cx="7515227" cy="5391547"/>
+            <a:off x="2169681" y="1365190"/>
+            <a:ext cx="7852613" cy="5155410"/>
           </a:xfrm>
           <a:prstGeom prst="rect">
             <a:avLst/>
@@ -14898,6 +14786,42 @@
           <a:chExt cx="0" cy="0"/>
         </a:xfrm>
       </p:grpSpPr>
+      <p:pic>
+        <p:nvPicPr>
+          <p:cNvPr id="3" name="Picture 2"/>
+          <p:cNvPicPr>
+            <a:picLocks noChangeAspect="1"/>
+          </p:cNvPicPr>
+          <p:nvPr/>
+        </p:nvPicPr>
+        <p:blipFill>
+          <a:blip r:embed="rId2">
+            <a:extLst>
+              <a:ext uri="{28A0092B-C50C-407E-A947-70E740481C1C}">
+                <a14:useLocalDpi xmlns:a14="http://schemas.microsoft.com/office/drawing/2010/main" val="0"/>
+              </a:ext>
+            </a:extLst>
+          </a:blip>
+          <a:srcRect t="43" b="43"/>
+          <a:stretch/>
+        </p:blipFill>
+        <p:spPr>
+          <a:xfrm>
+            <a:off x="2169681" y="1365190"/>
+            <a:ext cx="7852613" cy="5162213"/>
+          </a:xfrm>
+          <a:prstGeom prst="rect">
+            <a:avLst/>
+          </a:prstGeom>
+          <a:ln>
+            <a:solidFill>
+              <a:schemeClr val="bg2">
+                <a:lumMod val="75000"/>
+              </a:schemeClr>
+            </a:solidFill>
+          </a:ln>
+        </p:spPr>
+      </p:pic>
       <p:sp>
         <p:nvSpPr>
           <p:cNvPr id="6" name="Заглавие 5"/>
@@ -14931,7 +14855,7 @@
           <p:nvPr/>
         </p:nvPicPr>
         <p:blipFill>
-          <a:blip r:embed="rId2"/>
+          <a:blip r:embed="rId3"/>
           <a:stretch>
             <a:fillRect/>
           </a:stretch>
@@ -14990,36 +14914,6 @@
       </p:sp>
       <p:pic>
         <p:nvPicPr>
-          <p:cNvPr id="12" name="Picture 11"/>
-          <p:cNvPicPr>
-            <a:picLocks noChangeAspect="1"/>
-          </p:cNvPicPr>
-          <p:nvPr/>
-        </p:nvPicPr>
-        <p:blipFill rotWithShape="1">
-          <a:blip r:embed="rId3"/>
-          <a:srcRect r="25729" b="21975"/>
-          <a:stretch/>
-        </p:blipFill>
-        <p:spPr>
-          <a:xfrm>
-            <a:off x="2613575" y="1361742"/>
-            <a:ext cx="6964851" cy="5029017"/>
-          </a:xfrm>
-          <a:prstGeom prst="rect">
-            <a:avLst/>
-          </a:prstGeom>
-          <a:ln>
-            <a:solidFill>
-              <a:schemeClr val="bg2">
-                <a:lumMod val="75000"/>
-              </a:schemeClr>
-            </a:solidFill>
-          </a:ln>
-        </p:spPr>
-      </p:pic>
-      <p:pic>
-        <p:nvPicPr>
           <p:cNvPr id="13" name="Картина 13"/>
           <p:cNvPicPr>
             <a:picLocks noChangeAspect="1"/>
@@ -15027,7 +14921,7 @@
           <p:nvPr/>
         </p:nvPicPr>
         <p:blipFill>
-          <a:blip r:embed="rId2"/>
+          <a:blip r:embed="rId3"/>
           <a:stretch>
             <a:fillRect/>
           </a:stretch>
@@ -15050,13 +14944,13 @@
         </p:nvSpPr>
         <p:spPr bwMode="auto">
           <a:xfrm>
-            <a:off x="938971" y="3901472"/>
-            <a:ext cx="3486150" cy="1192528"/>
+            <a:off x="3126000" y="2236462"/>
+            <a:ext cx="3105000" cy="1192528"/>
           </a:xfrm>
           <a:prstGeom prst="wedgeRoundRectCallout">
             <a:avLst>
-              <a:gd name="adj1" fmla="val 8759"/>
-              <a:gd name="adj2" fmla="val -164153"/>
+              <a:gd name="adj1" fmla="val 61523"/>
+              <a:gd name="adj2" fmla="val 20725"/>
               <a:gd name="adj3" fmla="val 16667"/>
             </a:avLst>
           </a:prstGeom>
@@ -15139,13 +15033,13 @@
         </p:nvSpPr>
         <p:spPr bwMode="auto">
           <a:xfrm>
-            <a:off x="5466000" y="1899000"/>
-            <a:ext cx="3735344" cy="834456"/>
+            <a:off x="8023766" y="4284000"/>
+            <a:ext cx="3735344" cy="945000"/>
           </a:xfrm>
           <a:prstGeom prst="wedgeRoundRectCallout">
             <a:avLst>
-              <a:gd name="adj1" fmla="val -63770"/>
-              <a:gd name="adj2" fmla="val -15734"/>
+              <a:gd name="adj1" fmla="val -44730"/>
+              <a:gd name="adj2" fmla="val -85618"/>
               <a:gd name="adj3" fmla="val 16667"/>
             </a:avLst>
           </a:prstGeom>
@@ -15203,7 +15097,37 @@
                   </a:outerShdw>
                 </a:effectLst>
               </a:rPr>
-              <a:t>Ще възстанови файла</a:t>
+              <a:t>Ще възстанови</a:t>
+            </a:r>
+            <a:r>
+              <a:rPr lang="en-GB" sz="2800" b="1" dirty="0">
+                <a:solidFill>
+                  <a:srgbClr val="FFFFFF"/>
+                </a:solidFill>
+                <a:effectLst>
+                  <a:outerShdw blurRad="38100" dist="38100" dir="2700000" algn="tl">
+                    <a:srgbClr val="000000">
+                      <a:alpha val="43137"/>
+                    </a:srgbClr>
+                  </a:outerShdw>
+                </a:effectLst>
+              </a:rPr>
+              <a:t> </a:t>
+            </a:r>
+            <a:r>
+              <a:rPr lang="bg-BG" sz="2800" b="1" dirty="0">
+                <a:solidFill>
+                  <a:srgbClr val="FFFFFF"/>
+                </a:solidFill>
+                <a:effectLst>
+                  <a:outerShdw blurRad="38100" dist="38100" dir="2700000" algn="tl">
+                    <a:srgbClr val="000000">
+                      <a:alpha val="43137"/>
+                    </a:srgbClr>
+                  </a:outerShdw>
+                </a:effectLst>
+              </a:rPr>
+              <a:t>избрания файла</a:t>
             </a:r>
             <a:endParaRPr lang="en-US" sz="2800" b="1" dirty="0">
               <a:solidFill>
@@ -15382,76 +15306,43 @@
           <a:chExt cx="0" cy="0"/>
         </a:xfrm>
       </p:grpSpPr>
-      <p:grpSp>
-        <p:nvGrpSpPr>
-          <p:cNvPr id="5" name="Group 4"/>
-          <p:cNvGrpSpPr/>
+      <p:pic>
+        <p:nvPicPr>
+          <p:cNvPr id="3" name="Picture 2">
+            <a:extLst>
+              <a:ext uri="{FF2B5EF4-FFF2-40B4-BE49-F238E27FC236}">
+                <a16:creationId xmlns:a16="http://schemas.microsoft.com/office/drawing/2014/main" id="{D8E64F2B-CB21-C1F4-C5AA-64F39E64B375}"/>
+              </a:ext>
+            </a:extLst>
+          </p:cNvPr>
+          <p:cNvPicPr>
+            <a:picLocks noChangeAspect="1"/>
+          </p:cNvPicPr>
           <p:nvPr/>
-        </p:nvGrpSpPr>
-        <p:grpSpPr>
+        </p:nvPicPr>
+        <p:blipFill>
+          <a:blip r:embed="rId2"/>
+          <a:stretch>
+            <a:fillRect/>
+          </a:stretch>
+        </p:blipFill>
+        <p:spPr>
           <a:xfrm>
-            <a:off x="2338387" y="1285468"/>
-            <a:ext cx="7515227" cy="5391547"/>
-            <a:chOff x="2338387" y="1285468"/>
-            <a:chExt cx="7515227" cy="5391547"/>
+            <a:off x="2169681" y="1365190"/>
+            <a:ext cx="7862973" cy="5162213"/>
           </a:xfrm>
-        </p:grpSpPr>
-        <p:pic>
-          <p:nvPicPr>
-            <p:cNvPr id="8" name="Picture 7"/>
-            <p:cNvPicPr>
-              <a:picLocks noChangeAspect="1"/>
-            </p:cNvPicPr>
-            <p:nvPr/>
-          </p:nvPicPr>
-          <p:blipFill>
-            <a:blip r:embed="rId2"/>
-            <a:stretch>
-              <a:fillRect/>
-            </a:stretch>
-          </p:blipFill>
-          <p:spPr>
-            <a:xfrm>
-              <a:off x="2338387" y="1285468"/>
-              <a:ext cx="7515227" cy="5391547"/>
-            </a:xfrm>
-            <a:prstGeom prst="rect">
-              <a:avLst/>
-            </a:prstGeom>
-            <a:ln>
-              <a:solidFill>
-                <a:schemeClr val="bg2">
-                  <a:lumMod val="75000"/>
-                </a:schemeClr>
-              </a:solidFill>
-            </a:ln>
-          </p:spPr>
-        </p:pic>
-        <p:pic>
-          <p:nvPicPr>
-            <p:cNvPr id="4" name="Picture 3"/>
-            <p:cNvPicPr>
-              <a:picLocks noChangeAspect="1"/>
-            </p:cNvPicPr>
-            <p:nvPr/>
-          </p:nvPicPr>
-          <p:blipFill>
-            <a:blip r:embed="rId3"/>
-            <a:stretch>
-              <a:fillRect/>
-            </a:stretch>
-          </p:blipFill>
-          <p:spPr>
-            <a:xfrm>
-              <a:off x="3454234" y="3183774"/>
-              <a:ext cx="5689478" cy="2502426"/>
-            </a:xfrm>
-            <a:prstGeom prst="rect">
-              <a:avLst/>
-            </a:prstGeom>
-          </p:spPr>
-        </p:pic>
-      </p:grpSp>
+          <a:prstGeom prst="rect">
+            <a:avLst/>
+          </a:prstGeom>
+          <a:ln>
+            <a:solidFill>
+              <a:schemeClr val="bg2">
+                <a:lumMod val="75000"/>
+              </a:schemeClr>
+            </a:solidFill>
+          </a:ln>
+        </p:spPr>
+      </p:pic>
       <p:sp>
         <p:nvSpPr>
           <p:cNvPr id="6" name="Заглавие 5"/>
@@ -15485,7 +15376,7 @@
           <p:nvPr/>
         </p:nvPicPr>
         <p:blipFill>
-          <a:blip r:embed="rId4"/>
+          <a:blip r:embed="rId3"/>
           <a:stretch>
             <a:fillRect/>
           </a:stretch>
@@ -15508,13 +15399,13 @@
         </p:nvSpPr>
         <p:spPr bwMode="auto">
           <a:xfrm>
-            <a:off x="7010402" y="1652773"/>
+            <a:off x="6951000" y="1584000"/>
             <a:ext cx="4629150" cy="1163696"/>
           </a:xfrm>
           <a:prstGeom prst="wedgeRoundRectCallout">
             <a:avLst>
-              <a:gd name="adj1" fmla="val 566"/>
-              <a:gd name="adj2" fmla="val 130759"/>
+              <a:gd name="adj1" fmla="val -40696"/>
+              <a:gd name="adj2" fmla="val 122901"/>
               <a:gd name="adj3" fmla="val 16667"/>
             </a:avLst>
           </a:prstGeom>
@@ -15756,15 +15647,20 @@
           <p:nvPr/>
         </p:nvPicPr>
         <p:blipFill>
-          <a:blip r:embed="rId2"/>
-          <a:stretch>
-            <a:fillRect/>
-          </a:stretch>
+          <a:blip r:embed="rId2">
+            <a:extLst>
+              <a:ext uri="{28A0092B-C50C-407E-A947-70E740481C1C}">
+                <a14:useLocalDpi xmlns:a14="http://schemas.microsoft.com/office/drawing/2010/main" val="0"/>
+              </a:ext>
+            </a:extLst>
+          </a:blip>
+          <a:srcRect l="30984" t="24152" r="6196" b="25864"/>
+          <a:stretch/>
         </p:blipFill>
         <p:spPr>
           <a:xfrm>
-            <a:off x="2260817" y="493827"/>
-            <a:ext cx="7670365" cy="4141276"/>
+            <a:off x="2233441" y="594000"/>
+            <a:ext cx="7725117" cy="3841680"/>
           </a:xfrm>
           <a:prstGeom prst="rect">
             <a:avLst/>
@@ -15887,15 +15783,21 @@
           </p:cNvPicPr>
           <p:nvPr/>
         </p:nvPicPr>
-        <p:blipFill rotWithShape="1">
-          <a:blip r:embed="rId2"/>
-          <a:srcRect t="-1" r="-170" b="24069"/>
+        <p:blipFill>
+          <a:blip r:embed="rId2">
+            <a:extLst>
+              <a:ext uri="{28A0092B-C50C-407E-A947-70E740481C1C}">
+                <a14:useLocalDpi xmlns:a14="http://schemas.microsoft.com/office/drawing/2010/main" val="0"/>
+              </a:ext>
+            </a:extLst>
+          </a:blip>
+          <a:srcRect b="8944"/>
           <a:stretch/>
         </p:blipFill>
         <p:spPr>
           <a:xfrm>
-            <a:off x="1409526" y="2619038"/>
-            <a:ext cx="9372949" cy="4122390"/>
+            <a:off x="2134381" y="2512869"/>
+            <a:ext cx="7923237" cy="4184353"/>
           </a:xfrm>
           <a:prstGeom prst="rect">
             <a:avLst/>
@@ -16005,13 +15907,13 @@
         </p:nvSpPr>
         <p:spPr bwMode="auto">
           <a:xfrm>
-            <a:off x="995114" y="4036695"/>
+            <a:off x="1101000" y="3561499"/>
             <a:ext cx="3840480" cy="1777305"/>
           </a:xfrm>
           <a:prstGeom prst="wedgeRoundRectCallout">
             <a:avLst>
-              <a:gd name="adj1" fmla="val 4631"/>
-              <a:gd name="adj2" fmla="val -103141"/>
+              <a:gd name="adj1" fmla="val 76715"/>
+              <a:gd name="adj2" fmla="val -55940"/>
               <a:gd name="adj3" fmla="val 16667"/>
             </a:avLst>
           </a:prstGeom>
@@ -16350,15 +16252,20 @@
           <p:nvPr/>
         </p:nvPicPr>
         <p:blipFill>
-          <a:blip r:embed="rId2"/>
-          <a:stretch>
-            <a:fillRect/>
-          </a:stretch>
+          <a:blip r:embed="rId2">
+            <a:extLst>
+              <a:ext uri="{28A0092B-C50C-407E-A947-70E740481C1C}">
+                <a14:useLocalDpi xmlns:a14="http://schemas.microsoft.com/office/drawing/2010/main" val="0"/>
+              </a:ext>
+            </a:extLst>
+          </a:blip>
+          <a:srcRect/>
+          <a:stretch/>
         </p:blipFill>
         <p:spPr>
           <a:xfrm>
-            <a:off x="1604590" y="1320853"/>
-            <a:ext cx="8982821" cy="5211957"/>
+            <a:off x="1604590" y="1321887"/>
+            <a:ext cx="8982821" cy="5209888"/>
           </a:xfrm>
           <a:prstGeom prst="rect">
             <a:avLst/>
@@ -16398,19 +16305,19 @@
       </p:sp>
       <p:sp>
         <p:nvSpPr>
-          <p:cNvPr id="7" name="Закръглено правоъгълно изнесено означение 6"/>
+          <p:cNvPr id="9" name="Закръглено правоъгълно изнесено означение 8"/>
           <p:cNvSpPr/>
           <p:nvPr/>
         </p:nvSpPr>
         <p:spPr bwMode="auto">
           <a:xfrm>
-            <a:off x="7991763" y="5109475"/>
-            <a:ext cx="3178458" cy="808451"/>
+            <a:off x="1403174" y="2169000"/>
+            <a:ext cx="2937826" cy="1163652"/>
           </a:xfrm>
           <a:prstGeom prst="wedgeRoundRectCallout">
             <a:avLst>
-              <a:gd name="adj1" fmla="val -29529"/>
-              <a:gd name="adj2" fmla="val -75719"/>
+              <a:gd name="adj1" fmla="val 79546"/>
+              <a:gd name="adj2" fmla="val -29148"/>
               <a:gd name="adj3" fmla="val 16667"/>
             </a:avLst>
           </a:prstGeom>
@@ -16468,157 +16375,8 @@
                   </a:outerShdw>
                 </a:effectLst>
               </a:rPr>
-              <a:t>Различни изгледи</a:t>
-            </a:r>
-          </a:p>
-        </p:txBody>
-      </p:sp>
-      <p:sp>
-        <p:nvSpPr>
-          <p:cNvPr id="9" name="Закръглено правоъгълно изнесено означение 8"/>
-          <p:cNvSpPr/>
-          <p:nvPr/>
-        </p:nvSpPr>
-        <p:spPr bwMode="auto">
-          <a:xfrm>
-            <a:off x="1031054" y="2666386"/>
-            <a:ext cx="2937826" cy="1163652"/>
-          </a:xfrm>
-          <a:prstGeom prst="wedgeRoundRectCallout">
-            <a:avLst>
-              <a:gd name="adj1" fmla="val 114383"/>
-              <a:gd name="adj2" fmla="val -81054"/>
-              <a:gd name="adj3" fmla="val 16667"/>
-            </a:avLst>
-          </a:prstGeom>
-          <a:solidFill>
-            <a:schemeClr val="dk2">
-              <a:alpha val="80000"/>
-            </a:schemeClr>
-          </a:solidFill>
-          <a:ln w="19050">
-            <a:solidFill>
-              <a:schemeClr val="tx1">
-                <a:lumMod val="75000"/>
-                <a:alpha val="80000"/>
-              </a:schemeClr>
-            </a:solidFill>
-          </a:ln>
-          <a:effectLst/>
-        </p:spPr>
-        <p:style>
-          <a:lnRef idx="2">
-            <a:schemeClr val="accent1">
-              <a:shade val="50000"/>
-            </a:schemeClr>
-          </a:lnRef>
-          <a:fillRef idx="1001">
-            <a:schemeClr val="dk2"/>
-          </a:fillRef>
-          <a:effectRef idx="0">
-            <a:schemeClr val="accent1"/>
-          </a:effectRef>
-          <a:fontRef idx="minor">
-            <a:schemeClr val="lt1"/>
-          </a:fontRef>
-        </p:style>
-        <p:txBody>
-          <a:bodyPr rot="0" spcFirstLastPara="0" vertOverflow="overflow" horzOverflow="overflow" vert="horz" wrap="square" lIns="91440" tIns="45720" rIns="91440" bIns="45720" numCol="1" spcCol="0" rtlCol="0" fromWordArt="0" anchor="ctr" anchorCtr="0" forceAA="0" compatLnSpc="1">
-            <a:prstTxWarp prst="textNoShape">
-              <a:avLst/>
-            </a:prstTxWarp>
-            <a:noAutofit/>
-          </a:bodyPr>
-          <a:lstStyle/>
-          <a:p>
-            <a:pPr algn="ctr"/>
-            <a:r>
-              <a:rPr lang="bg-BG" sz="2800" b="1" dirty="0">
-                <a:solidFill>
-                  <a:srgbClr val="FFFFFF"/>
-                </a:solidFill>
-                <a:effectLst>
-                  <a:outerShdw blurRad="38100" dist="38100" dir="2700000" algn="tl">
-                    <a:srgbClr val="000000">
-                      <a:alpha val="43137"/>
-                    </a:srgbClr>
-                  </a:outerShdw>
-                </a:effectLst>
-              </a:rPr>
               <a:t>Сортиране на съдържанието</a:t>
             </a:r>
-          </a:p>
-        </p:txBody>
-      </p:sp>
-      <p:sp>
-        <p:nvSpPr>
-          <p:cNvPr id="4" name="Rectangle 3">
-            <a:extLst>
-              <a:ext uri="{FF2B5EF4-FFF2-40B4-BE49-F238E27FC236}">
-                <a16:creationId xmlns:a16="http://schemas.microsoft.com/office/drawing/2014/main" id="{C1E6A732-D31B-5B6B-3971-CB3BC0A71837}"/>
-              </a:ext>
-            </a:extLst>
-          </p:cNvPr>
-          <p:cNvSpPr/>
-          <p:nvPr/>
-        </p:nvSpPr>
-        <p:spPr bwMode="auto">
-          <a:xfrm>
-            <a:off x="7690338" y="3248212"/>
-            <a:ext cx="1606062" cy="1523814"/>
-          </a:xfrm>
-          <a:prstGeom prst="rect">
-            <a:avLst/>
-          </a:prstGeom>
-          <a:noFill/>
-          <a:ln w="57150">
-            <a:solidFill>
-              <a:schemeClr val="tx1">
-                <a:lumMod val="75000"/>
-                <a:alpha val="80000"/>
-              </a:schemeClr>
-            </a:solidFill>
-          </a:ln>
-          <a:effectLst/>
-        </p:spPr>
-        <p:style>
-          <a:lnRef idx="2">
-            <a:schemeClr val="accent1">
-              <a:shade val="50000"/>
-            </a:schemeClr>
-          </a:lnRef>
-          <a:fillRef idx="1001">
-            <a:schemeClr val="dk2"/>
-          </a:fillRef>
-          <a:effectRef idx="0">
-            <a:schemeClr val="accent1"/>
-          </a:effectRef>
-          <a:fontRef idx="minor">
-            <a:schemeClr val="lt1"/>
-          </a:fontRef>
-        </p:style>
-        <p:txBody>
-          <a:bodyPr rot="0" spcFirstLastPara="0" vertOverflow="overflow" horzOverflow="overflow" vert="horz" wrap="square" lIns="91440" tIns="45720" rIns="91440" bIns="45720" numCol="1" spcCol="0" rtlCol="0" fromWordArt="0" anchor="ctr" anchorCtr="0" forceAA="0" compatLnSpc="1">
-            <a:prstTxWarp prst="textNoShape">
-              <a:avLst/>
-            </a:prstTxWarp>
-            <a:noAutofit/>
-          </a:bodyPr>
-          <a:lstStyle/>
-          <a:p>
-            <a:pPr algn="ctr"/>
-            <a:endParaRPr lang="bg-BG" sz="2800" b="1" dirty="0">
-              <a:solidFill>
-                <a:schemeClr val="tx1"/>
-              </a:solidFill>
-              <a:effectLst>
-                <a:outerShdw blurRad="38100" dist="38100" dir="2700000" algn="tl">
-                  <a:srgbClr val="000000">
-                    <a:alpha val="43137"/>
-                  </a:srgbClr>
-                </a:outerShdw>
-              </a:effectLst>
-            </a:endParaRPr>
           </a:p>
         </p:txBody>
       </p:sp>
@@ -16716,96 +16474,6 @@
                                           </p:stCondLst>
                                         </p:cTn>
                                         <p:tgtEl>
-                                          <p:spTgt spid="4"/>
-                                        </p:tgtEl>
-                                        <p:attrNameLst>
-                                          <p:attrName>style.visibility</p:attrName>
-                                        </p:attrNameLst>
-                                      </p:cBhvr>
-                                      <p:to>
-                                        <p:strVal val="visible"/>
-                                      </p:to>
-                                    </p:set>
-                                  </p:childTnLst>
-                                </p:cTn>
-                              </p:par>
-                            </p:childTnLst>
-                          </p:cTn>
-                        </p:par>
-                      </p:childTnLst>
-                    </p:cTn>
-                  </p:par>
-                  <p:par>
-                    <p:cTn id="7" fill="hold">
-                      <p:stCondLst>
-                        <p:cond delay="indefinite"/>
-                      </p:stCondLst>
-                      <p:childTnLst>
-                        <p:par>
-                          <p:cTn id="8" fill="hold">
-                            <p:stCondLst>
-                              <p:cond delay="0"/>
-                            </p:stCondLst>
-                            <p:childTnLst>
-                              <p:par>
-                                <p:cTn id="9" presetID="1" presetClass="entr" presetSubtype="0" fill="hold" grpId="0" nodeType="clickEffect">
-                                  <p:stCondLst>
-                                    <p:cond delay="0"/>
-                                  </p:stCondLst>
-                                  <p:childTnLst>
-                                    <p:set>
-                                      <p:cBhvr>
-                                        <p:cTn id="10" dur="1" fill="hold">
-                                          <p:stCondLst>
-                                            <p:cond delay="0"/>
-                                          </p:stCondLst>
-                                        </p:cTn>
-                                        <p:tgtEl>
-                                          <p:spTgt spid="7"/>
-                                        </p:tgtEl>
-                                        <p:attrNameLst>
-                                          <p:attrName>style.visibility</p:attrName>
-                                        </p:attrNameLst>
-                                      </p:cBhvr>
-                                      <p:to>
-                                        <p:strVal val="visible"/>
-                                      </p:to>
-                                    </p:set>
-                                  </p:childTnLst>
-                                </p:cTn>
-                              </p:par>
-                            </p:childTnLst>
-                          </p:cTn>
-                        </p:par>
-                      </p:childTnLst>
-                    </p:cTn>
-                  </p:par>
-                  <p:par>
-                    <p:cTn id="11" fill="hold">
-                      <p:stCondLst>
-                        <p:cond delay="indefinite"/>
-                      </p:stCondLst>
-                      <p:childTnLst>
-                        <p:par>
-                          <p:cTn id="12" fill="hold">
-                            <p:stCondLst>
-                              <p:cond delay="0"/>
-                            </p:stCondLst>
-                            <p:childTnLst>
-                              <p:par>
-                                <p:cTn id="13" presetID="1" presetClass="entr" presetSubtype="0" fill="hold" grpId="0" nodeType="clickEffect">
-                                  <p:stCondLst>
-                                    <p:cond delay="0"/>
-                                  </p:stCondLst>
-                                  <p:childTnLst>
-                                    <p:set>
-                                      <p:cBhvr>
-                                        <p:cTn id="14" dur="1" fill="hold">
-                                          <p:stCondLst>
-                                            <p:cond delay="0"/>
-                                          </p:stCondLst>
-                                        </p:cTn>
-                                        <p:tgtEl>
                                           <p:spTgt spid="9"/>
                                         </p:tgtEl>
                                         <p:attrNameLst>
@@ -16847,9 +16515,7 @@
       </p:par>
     </p:tnLst>
     <p:bldLst>
-      <p:bldP spid="7" grpId="0" animBg="1"/>
       <p:bldP spid="9" grpId="0" animBg="1"/>
-      <p:bldP spid="4" grpId="0" animBg="1"/>
     </p:bldLst>
   </p:timing>
 </p:sld>
@@ -18502,7 +18168,7 @@
 </file>
 
 <file path=ppt/slides/slide29.xml><?xml version="1.0" encoding="utf-8"?>
-<p:sld xmlns:a="http://schemas.openxmlformats.org/drawingml/2006/main" xmlns:r="http://schemas.openxmlformats.org/officeDocument/2006/relationships" xmlns:p="http://schemas.openxmlformats.org/presentationml/2006/main">
+<p:sld xmlns:a="http://schemas.openxmlformats.org/drawingml/2006/main" xmlns:r="http://schemas.openxmlformats.org/officeDocument/2006/relationships" xmlns:p="http://schemas.openxmlformats.org/presentationml/2006/main" show="0">
   <p:cSld>
     <p:spTree>
       <p:nvGrpSpPr>
@@ -18873,11 +18539,11 @@
   <p:clrMapOvr>
     <a:masterClrMapping/>
   </p:clrMapOvr>
-  <mc:AlternateContent xmlns:mc="http://schemas.openxmlformats.org/markup-compatibility/2006" xmlns:p14="http://schemas.microsoft.com/office/powerpoint/2010/main">
-    <mc:Choice Requires="p14">
+  <mc:AlternateContent xmlns:mc="http://schemas.openxmlformats.org/markup-compatibility/2006">
+    <mc:Choice xmlns:p14="http://schemas.microsoft.com/office/powerpoint/2010/main" Requires="p14">
       <p:transition spd="slow" p14:dur="2000" advClick="0" advTm="5000"/>
     </mc:Choice>
-    <mc:Fallback xmlns="">
+    <mc:Fallback>
       <p:transition spd="slow" advClick="0" advTm="5000"/>
     </mc:Fallback>
   </mc:AlternateContent>
@@ -19109,7 +18775,15 @@
             </a:r>
             <a:r>
               <a:rPr lang="bg-BG" sz="3200" dirty="0"/>
-              <a:t>съвкупност от данни, съхранени в компютъра</a:t>
+              <a:t>съвкупност от </a:t>
+            </a:r>
+            <a:r>
+              <a:rPr lang="bg-BG" sz="3200" b="1" dirty="0"/>
+              <a:t>данни</a:t>
+            </a:r>
+            <a:r>
+              <a:rPr lang="bg-BG" sz="3200" dirty="0"/>
+              <a:t>, съхранени в компютъра</a:t>
             </a:r>
           </a:p>
         </p:txBody>
@@ -19123,15 +18797,20 @@
           <p:nvPr/>
         </p:nvPicPr>
         <p:blipFill>
-          <a:blip r:embed="rId2"/>
-          <a:stretch>
-            <a:fillRect/>
-          </a:stretch>
+          <a:blip r:embed="rId2">
+            <a:extLst>
+              <a:ext uri="{28A0092B-C50C-407E-A947-70E740481C1C}">
+                <a14:useLocalDpi xmlns:a14="http://schemas.microsoft.com/office/drawing/2010/main" val="0"/>
+              </a:ext>
+            </a:extLst>
+          </a:blip>
+          <a:srcRect/>
+          <a:stretch/>
         </p:blipFill>
         <p:spPr>
           <a:xfrm>
-            <a:off x="2992483" y="2009555"/>
-            <a:ext cx="7501444" cy="4387637"/>
+            <a:off x="3304843" y="2009555"/>
+            <a:ext cx="6876723" cy="4387637"/>
           </a:xfrm>
           <a:prstGeom prst="rect">
             <a:avLst/>
@@ -22751,15 +22430,20 @@
           <p:nvPr/>
         </p:nvPicPr>
         <p:blipFill>
-          <a:blip r:embed="rId3"/>
-          <a:stretch>
-            <a:fillRect/>
-          </a:stretch>
+          <a:blip r:embed="rId3">
+            <a:extLst>
+              <a:ext uri="{28A0092B-C50C-407E-A947-70E740481C1C}">
+                <a14:useLocalDpi xmlns:a14="http://schemas.microsoft.com/office/drawing/2010/main" val="0"/>
+              </a:ext>
+            </a:extLst>
+          </a:blip>
+          <a:srcRect/>
+          <a:stretch/>
         </p:blipFill>
         <p:spPr>
           <a:xfrm>
-            <a:off x="6084821" y="1880371"/>
-            <a:ext cx="5921988" cy="4360145"/>
+            <a:off x="5740313" y="1462419"/>
+            <a:ext cx="6229877" cy="4874718"/>
           </a:xfrm>
           <a:prstGeom prst="rect">
             <a:avLst/>
@@ -22956,19 +22640,19 @@
       </p:sp>
       <p:sp>
         <p:nvSpPr>
-          <p:cNvPr id="11" name="Закръглено правоъгълно изнесено означение 10"/>
+          <p:cNvPr id="8" name="Закръглено правоъгълно изнесено означение 7"/>
           <p:cNvSpPr/>
           <p:nvPr/>
         </p:nvSpPr>
         <p:spPr bwMode="auto">
           <a:xfrm>
-            <a:off x="9004263" y="4167672"/>
-            <a:ext cx="1905303" cy="998807"/>
+            <a:off x="5876280" y="3383999"/>
+            <a:ext cx="1524720" cy="482933"/>
           </a:xfrm>
           <a:prstGeom prst="wedgeRoundRectCallout">
             <a:avLst>
-              <a:gd name="adj1" fmla="val -95860"/>
-              <a:gd name="adj2" fmla="val -33510"/>
+              <a:gd name="adj1" fmla="val 15281"/>
+              <a:gd name="adj2" fmla="val 199909"/>
               <a:gd name="adj3" fmla="val 16667"/>
             </a:avLst>
           </a:prstGeom>
@@ -23013,36 +22697,39 @@
           <a:lstStyle/>
           <a:p>
             <a:pPr algn="ctr"/>
-            <a:endParaRPr lang="bg-BG" sz="2800" b="1" dirty="0">
-              <a:solidFill>
-                <a:srgbClr val="FFFFFF"/>
-              </a:solidFill>
-              <a:effectLst>
-                <a:outerShdw blurRad="38100" dist="38100" dir="2700000" algn="tl">
-                  <a:srgbClr val="000000">
-                    <a:alpha val="43137"/>
-                  </a:srgbClr>
-                </a:outerShdw>
-              </a:effectLst>
-            </a:endParaRPr>
+            <a:r>
+              <a:rPr lang="bg-BG" sz="2800" b="1" dirty="0">
+                <a:solidFill>
+                  <a:srgbClr val="FFFFFF"/>
+                </a:solidFill>
+                <a:effectLst>
+                  <a:outerShdw blurRad="38100" dist="38100" dir="2700000" algn="tl">
+                    <a:srgbClr val="000000">
+                      <a:alpha val="43137"/>
+                    </a:srgbClr>
+                  </a:outerShdw>
+                </a:effectLst>
+              </a:rPr>
+              <a:t>Папка</a:t>
+            </a:r>
           </a:p>
         </p:txBody>
       </p:sp>
       <p:sp>
         <p:nvSpPr>
-          <p:cNvPr id="8" name="Закръглено правоъгълно изнесено означение 7"/>
+          <p:cNvPr id="10" name="Закръглено правоъгълно изнесено означение 9"/>
           <p:cNvSpPr/>
           <p:nvPr/>
         </p:nvSpPr>
         <p:spPr bwMode="auto">
           <a:xfrm>
-            <a:off x="5602065" y="1407602"/>
-            <a:ext cx="2560320" cy="647098"/>
+            <a:off x="8804844" y="6060195"/>
+            <a:ext cx="1881155" cy="595305"/>
           </a:xfrm>
           <a:prstGeom prst="wedgeRoundRectCallout">
             <a:avLst>
-              <a:gd name="adj1" fmla="val -26534"/>
-              <a:gd name="adj2" fmla="val 192961"/>
+              <a:gd name="adj1" fmla="val 5818"/>
+              <a:gd name="adj2" fmla="val -142169"/>
               <a:gd name="adj3" fmla="val 16667"/>
             </a:avLst>
           </a:prstGeom>
@@ -23100,26 +22787,26 @@
                   </a:outerShdw>
                 </a:effectLst>
               </a:rPr>
-              <a:t>Папка</a:t>
+              <a:t>Подпапки</a:t>
             </a:r>
           </a:p>
         </p:txBody>
       </p:sp>
       <p:sp>
         <p:nvSpPr>
-          <p:cNvPr id="10" name="Закръглено правоъгълно изнесено означение 9"/>
+          <p:cNvPr id="13" name="Закръглено правоъгълно изнесено означение 12"/>
           <p:cNvSpPr/>
           <p:nvPr/>
         </p:nvSpPr>
         <p:spPr bwMode="auto">
           <a:xfrm>
-            <a:off x="9004262" y="4167672"/>
-            <a:ext cx="1905303" cy="998807"/>
+            <a:off x="9201000" y="1304076"/>
+            <a:ext cx="2652702" cy="1047548"/>
           </a:xfrm>
           <a:prstGeom prst="wedgeRoundRectCallout">
             <a:avLst>
-              <a:gd name="adj1" fmla="val -4885"/>
-              <a:gd name="adj2" fmla="val -80164"/>
+              <a:gd name="adj1" fmla="val -70866"/>
+              <a:gd name="adj2" fmla="val 24204"/>
               <a:gd name="adj3" fmla="val 16667"/>
             </a:avLst>
           </a:prstGeom>
@@ -23177,83 +22864,6 @@
                   </a:outerShdw>
                 </a:effectLst>
               </a:rPr>
-              <a:t>Подпапки</a:t>
-            </a:r>
-          </a:p>
-        </p:txBody>
-      </p:sp>
-      <p:sp>
-        <p:nvSpPr>
-          <p:cNvPr id="13" name="Закръглено правоъгълно изнесено означение 12"/>
-          <p:cNvSpPr/>
-          <p:nvPr/>
-        </p:nvSpPr>
-        <p:spPr bwMode="auto">
-          <a:xfrm>
-            <a:off x="9243652" y="1207377"/>
-            <a:ext cx="2774732" cy="1047548"/>
-          </a:xfrm>
-          <a:prstGeom prst="wedgeRoundRectCallout">
-            <a:avLst>
-              <a:gd name="adj1" fmla="val -67704"/>
-              <a:gd name="adj2" fmla="val 54635"/>
-              <a:gd name="adj3" fmla="val 16667"/>
-            </a:avLst>
-          </a:prstGeom>
-          <a:solidFill>
-            <a:schemeClr val="dk2">
-              <a:alpha val="80000"/>
-            </a:schemeClr>
-          </a:solidFill>
-          <a:ln w="19050">
-            <a:solidFill>
-              <a:schemeClr val="tx1">
-                <a:lumMod val="75000"/>
-                <a:alpha val="80000"/>
-              </a:schemeClr>
-            </a:solidFill>
-          </a:ln>
-          <a:effectLst/>
-        </p:spPr>
-        <p:style>
-          <a:lnRef idx="2">
-            <a:schemeClr val="accent1">
-              <a:shade val="50000"/>
-            </a:schemeClr>
-          </a:lnRef>
-          <a:fillRef idx="1001">
-            <a:schemeClr val="dk2"/>
-          </a:fillRef>
-          <a:effectRef idx="0">
-            <a:schemeClr val="accent1"/>
-          </a:effectRef>
-          <a:fontRef idx="minor">
-            <a:schemeClr val="lt1"/>
-          </a:fontRef>
-        </p:style>
-        <p:txBody>
-          <a:bodyPr rot="0" spcFirstLastPara="0" vertOverflow="overflow" horzOverflow="overflow" vert="horz" wrap="square" lIns="91440" tIns="45720" rIns="91440" bIns="45720" numCol="1" spcCol="0" rtlCol="0" fromWordArt="0" anchor="ctr" anchorCtr="0" forceAA="0" compatLnSpc="1">
-            <a:prstTxWarp prst="textNoShape">
-              <a:avLst/>
-            </a:prstTxWarp>
-            <a:noAutofit/>
-          </a:bodyPr>
-          <a:lstStyle/>
-          <a:p>
-            <a:pPr algn="ctr"/>
-            <a:r>
-              <a:rPr lang="bg-BG" sz="2800" b="1" dirty="0">
-                <a:solidFill>
-                  <a:srgbClr val="FFFFFF"/>
-                </a:solidFill>
-                <a:effectLst>
-                  <a:outerShdw blurRad="38100" dist="38100" dir="2700000" algn="tl">
-                    <a:srgbClr val="000000">
-                      <a:alpha val="43137"/>
-                    </a:srgbClr>
-                  </a:outerShdw>
-                </a:effectLst>
-              </a:rPr>
               <a:t>Път до файла/папката</a:t>
             </a:r>
           </a:p>
@@ -23267,8 +22877,8 @@
         </p:nvSpPr>
         <p:spPr bwMode="auto">
           <a:xfrm>
-            <a:off x="6939338" y="2359323"/>
-            <a:ext cx="1838902" cy="239150"/>
+            <a:off x="7328699" y="1819578"/>
+            <a:ext cx="1197301" cy="304421"/>
           </a:xfrm>
           <a:prstGeom prst="roundRect">
             <a:avLst>
@@ -23329,72 +22939,6 @@
       </p:sp>
       <p:sp>
         <p:nvSpPr>
-          <p:cNvPr id="14" name="Rectangle 13"/>
-          <p:cNvSpPr/>
-          <p:nvPr/>
-        </p:nvSpPr>
-        <p:spPr bwMode="auto">
-          <a:xfrm>
-            <a:off x="6088283" y="3271467"/>
-            <a:ext cx="1925417" cy="1554533"/>
-          </a:xfrm>
-          <a:prstGeom prst="rect">
-            <a:avLst/>
-          </a:prstGeom>
-          <a:noFill/>
-          <a:ln w="38100">
-            <a:solidFill>
-              <a:schemeClr val="tx1">
-                <a:lumMod val="75000"/>
-                <a:alpha val="80000"/>
-              </a:schemeClr>
-            </a:solidFill>
-          </a:ln>
-          <a:effectLst/>
-        </p:spPr>
-        <p:style>
-          <a:lnRef idx="2">
-            <a:schemeClr val="accent1">
-              <a:shade val="50000"/>
-            </a:schemeClr>
-          </a:lnRef>
-          <a:fillRef idx="1001">
-            <a:schemeClr val="dk2"/>
-          </a:fillRef>
-          <a:effectRef idx="0">
-            <a:schemeClr val="accent1"/>
-          </a:effectRef>
-          <a:fontRef idx="minor">
-            <a:schemeClr val="lt1"/>
-          </a:fontRef>
-        </p:style>
-        <p:txBody>
-          <a:bodyPr rot="0" spcFirstLastPara="0" vertOverflow="overflow" horzOverflow="overflow" vert="horz" wrap="square" lIns="91440" tIns="45720" rIns="91440" bIns="45720" numCol="1" spcCol="0" rtlCol="0" fromWordArt="0" anchor="ctr" anchorCtr="0" forceAA="0" compatLnSpc="1">
-            <a:prstTxWarp prst="textNoShape">
-              <a:avLst/>
-            </a:prstTxWarp>
-            <a:noAutofit/>
-          </a:bodyPr>
-          <a:lstStyle/>
-          <a:p>
-            <a:pPr algn="ctr"/>
-            <a:endParaRPr lang="en-US" sz="2800" b="1" dirty="0">
-              <a:solidFill>
-                <a:srgbClr val="FFFFFF"/>
-              </a:solidFill>
-              <a:effectLst>
-                <a:outerShdw blurRad="38100" dist="38100" dir="2700000" algn="tl">
-                  <a:srgbClr val="000000">
-                    <a:alpha val="43137"/>
-                  </a:srgbClr>
-                </a:outerShdw>
-              </a:effectLst>
-            </a:endParaRPr>
-          </a:p>
-        </p:txBody>
-      </p:sp>
-      <p:sp>
-        <p:nvSpPr>
           <p:cNvPr id="3" name="Rectangle 2">
             <a:extLst>
               <a:ext uri="{FF2B5EF4-FFF2-40B4-BE49-F238E27FC236}">
@@ -23407,8 +22951,8 @@
         </p:nvSpPr>
         <p:spPr bwMode="auto">
           <a:xfrm>
-            <a:off x="6084820" y="3038467"/>
-            <a:ext cx="1925417" cy="242993"/>
+            <a:off x="5759728" y="4661007"/>
+            <a:ext cx="1838903" cy="239151"/>
           </a:xfrm>
           <a:prstGeom prst="rect">
             <a:avLst/>
@@ -23644,35 +23188,26 @@
                                   </p:childTnLst>
                                 </p:cTn>
                               </p:par>
+                            </p:childTnLst>
+                          </p:cTn>
+                        </p:par>
+                      </p:childTnLst>
+                    </p:cTn>
+                  </p:par>
+                  <p:par>
+                    <p:cTn id="13" fill="hold">
+                      <p:stCondLst>
+                        <p:cond delay="indefinite"/>
+                      </p:stCondLst>
+                      <p:childTnLst>
+                        <p:par>
+                          <p:cTn id="14" fill="hold">
+                            <p:stCondLst>
+                              <p:cond delay="0"/>
+                            </p:stCondLst>
+                            <p:childTnLst>
                               <p:par>
-                                <p:cTn id="13" presetID="1" presetClass="entr" presetSubtype="0" fill="hold" grpId="0" nodeType="withEffect">
-                                  <p:stCondLst>
-                                    <p:cond delay="0"/>
-                                  </p:stCondLst>
-                                  <p:childTnLst>
-                                    <p:set>
-                                      <p:cBhvr>
-                                        <p:cTn id="14" dur="1" fill="hold">
-                                          <p:stCondLst>
-                                            <p:cond delay="0"/>
-                                          </p:stCondLst>
-                                        </p:cTn>
-                                        <p:tgtEl>
-                                          <p:spTgt spid="11"/>
-                                        </p:tgtEl>
-                                        <p:attrNameLst>
-                                          <p:attrName>style.visibility</p:attrName>
-                                        </p:attrNameLst>
-                                      </p:cBhvr>
-                                      <p:to>
-                                        <p:strVal val="visible"/>
-                                      </p:to>
-                                    </p:set>
-                                  </p:childTnLst>
-                                </p:cTn>
-                              </p:par>
-                              <p:par>
-                                <p:cTn id="15" presetID="1" presetClass="entr" presetSubtype="0" fill="hold" grpId="0" nodeType="withEffect">
+                                <p:cTn id="15" presetID="1" presetClass="entr" presetSubtype="0" fill="hold" grpId="0" nodeType="clickEffect">
                                   <p:stCondLst>
                                     <p:cond delay="0"/>
                                   </p:stCondLst>
@@ -23685,7 +23220,11 @@
                                           </p:stCondLst>
                                         </p:cTn>
                                         <p:tgtEl>
-                                          <p:spTgt spid="14"/>
+                                          <p:spTgt spid="6">
+                                            <p:txEl>
+                                              <p:pRg st="1" end="1"/>
+                                            </p:txEl>
+                                          </p:spTgt>
                                         </p:tgtEl>
                                         <p:attrNameLst>
                                           <p:attrName>style.visibility</p:attrName>
@@ -23732,7 +23271,7 @@
                                         <p:tgtEl>
                                           <p:spTgt spid="6">
                                             <p:txEl>
-                                              <p:pRg st="1" end="1"/>
+                                              <p:pRg st="2" end="2"/>
                                             </p:txEl>
                                           </p:spTgt>
                                         </p:tgtEl>
@@ -23781,7 +23320,7 @@
                                         <p:tgtEl>
                                           <p:spTgt spid="6">
                                             <p:txEl>
-                                              <p:pRg st="2" end="2"/>
+                                              <p:pRg st="3" end="3"/>
                                             </p:txEl>
                                           </p:spTgt>
                                         </p:tgtEl>
@@ -23828,55 +23367,6 @@
                                           </p:stCondLst>
                                         </p:cTn>
                                         <p:tgtEl>
-                                          <p:spTgt spid="6">
-                                            <p:txEl>
-                                              <p:pRg st="3" end="3"/>
-                                            </p:txEl>
-                                          </p:spTgt>
-                                        </p:tgtEl>
-                                        <p:attrNameLst>
-                                          <p:attrName>style.visibility</p:attrName>
-                                        </p:attrNameLst>
-                                      </p:cBhvr>
-                                      <p:to>
-                                        <p:strVal val="visible"/>
-                                      </p:to>
-                                    </p:set>
-                                  </p:childTnLst>
-                                </p:cTn>
-                              </p:par>
-                            </p:childTnLst>
-                          </p:cTn>
-                        </p:par>
-                      </p:childTnLst>
-                    </p:cTn>
-                  </p:par>
-                  <p:par>
-                    <p:cTn id="29" fill="hold">
-                      <p:stCondLst>
-                        <p:cond delay="indefinite"/>
-                      </p:stCondLst>
-                      <p:childTnLst>
-                        <p:par>
-                          <p:cTn id="30" fill="hold">
-                            <p:stCondLst>
-                              <p:cond delay="0"/>
-                            </p:stCondLst>
-                            <p:childTnLst>
-                              <p:par>
-                                <p:cTn id="31" presetID="1" presetClass="entr" presetSubtype="0" fill="hold" grpId="0" nodeType="clickEffect">
-                                  <p:stCondLst>
-                                    <p:cond delay="0"/>
-                                  </p:stCondLst>
-                                  <p:childTnLst>
-                                    <p:set>
-                                      <p:cBhvr>
-                                        <p:cTn id="32" dur="1" fill="hold">
-                                          <p:stCondLst>
-                                            <p:cond delay="0"/>
-                                          </p:stCondLst>
-                                        </p:cTn>
-                                        <p:tgtEl>
                                           <p:spTgt spid="13"/>
                                         </p:tgtEl>
                                         <p:attrNameLst>
@@ -23891,14 +23381,14 @@
                                 </p:cTn>
                               </p:par>
                               <p:par>
-                                <p:cTn id="33" presetID="1" presetClass="entr" presetSubtype="0" fill="hold" grpId="0" nodeType="withEffect">
+                                <p:cTn id="29" presetID="1" presetClass="entr" presetSubtype="0" fill="hold" grpId="0" nodeType="withEffect">
                                   <p:stCondLst>
                                     <p:cond delay="0"/>
                                   </p:stCondLst>
                                   <p:childTnLst>
                                     <p:set>
                                       <p:cBhvr>
-                                        <p:cTn id="34" dur="1" fill="hold">
+                                        <p:cTn id="30" dur="1" fill="hold">
                                           <p:stCondLst>
                                             <p:cond delay="0"/>
                                           </p:stCondLst>
@@ -23924,26 +23414,26 @@
                     </p:cTn>
                   </p:par>
                   <p:par>
-                    <p:cTn id="35" fill="hold">
+                    <p:cTn id="31" fill="hold">
                       <p:stCondLst>
                         <p:cond delay="indefinite"/>
                       </p:stCondLst>
                       <p:childTnLst>
                         <p:par>
-                          <p:cTn id="36" fill="hold">
+                          <p:cTn id="32" fill="hold">
                             <p:stCondLst>
                               <p:cond delay="0"/>
                             </p:stCondLst>
                             <p:childTnLst>
                               <p:par>
-                                <p:cTn id="37" presetID="1" presetClass="entr" presetSubtype="0" fill="hold" grpId="0" nodeType="clickEffect">
+                                <p:cTn id="33" presetID="1" presetClass="entr" presetSubtype="0" fill="hold" grpId="0" nodeType="clickEffect">
                                   <p:stCondLst>
                                     <p:cond delay="0"/>
                                   </p:stCondLst>
                                   <p:childTnLst>
                                     <p:set>
                                       <p:cBhvr>
-                                        <p:cTn id="38" dur="1" fill="hold">
+                                        <p:cTn id="34" dur="1" fill="hold">
                                           <p:stCondLst>
                                             <p:cond delay="0"/>
                                           </p:stCondLst>
@@ -23995,12 +23485,10 @@
     </p:tnLst>
     <p:bldLst>
       <p:bldP spid="6" grpId="0" uiExpand="1" build="p"/>
-      <p:bldP spid="11" grpId="0" animBg="1"/>
       <p:bldP spid="8" grpId="0" animBg="1"/>
       <p:bldP spid="10" grpId="0" animBg="1"/>
       <p:bldP spid="13" grpId="0" animBg="1"/>
       <p:bldP spid="2" grpId="0" animBg="1"/>
-      <p:bldP spid="14" grpId="0" animBg="1"/>
       <p:bldP spid="3" grpId="0" animBg="1"/>
     </p:bldLst>
   </p:timing>
